--- a/Diapo/DIapo.pptx
+++ b/Diapo/DIapo.pptx
@@ -215,7 +215,7 @@
           </a:lstStyle>
           <a:p>
             <a:fld id="{4B230A23-3E98-F64D-859B-DE462771A158}" type="datetimeFigureOut">
-              <a:t>16/01/2016</a:t>
+              <a:t>18/01/2016</a:t>
             </a:fld>
             <a:endParaRPr lang="fr-FR"/>
           </a:p>
@@ -528,7 +528,7 @@
             <a:fld id="{5BBF241E-D95D-F947-BD40-BA0B1092A59D}" type="datetimeFigureOut">
               <a:rPr lang="fr-FR" smtClean="0"/>
               <a:pPr/>
-              <a:t>16/01/2016</a:t>
+              <a:t>18/01/2016</a:t>
             </a:fld>
             <a:endParaRPr lang="fr-FR"/>
           </a:p>
@@ -808,7 +808,7 @@
             <a:fld id="{5BBF241E-D95D-F947-BD40-BA0B1092A59D}" type="datetimeFigureOut">
               <a:rPr lang="fr-FR" smtClean="0"/>
               <a:pPr/>
-              <a:t>16/01/2016</a:t>
+              <a:t>18/01/2016</a:t>
             </a:fld>
             <a:endParaRPr lang="fr-FR"/>
           </a:p>
@@ -1088,7 +1088,7 @@
             <a:fld id="{5BBF241E-D95D-F947-BD40-BA0B1092A59D}" type="datetimeFigureOut">
               <a:rPr lang="fr-FR" smtClean="0"/>
               <a:pPr/>
-              <a:t>16/01/2016</a:t>
+              <a:t>18/01/2016</a:t>
             </a:fld>
             <a:endParaRPr lang="fr-FR"/>
           </a:p>
@@ -1325,7 +1325,7 @@
             <a:fld id="{5BBF241E-D95D-F947-BD40-BA0B1092A59D}" type="datetimeFigureOut">
               <a:rPr lang="fr-FR" smtClean="0"/>
               <a:pPr/>
-              <a:t>16/01/2016</a:t>
+              <a:t>18/01/2016</a:t>
             </a:fld>
             <a:endParaRPr lang="fr-FR"/>
           </a:p>
@@ -1707,7 +1707,7 @@
             <a:fld id="{5BBF241E-D95D-F947-BD40-BA0B1092A59D}" type="datetimeFigureOut">
               <a:rPr lang="fr-FR" smtClean="0"/>
               <a:pPr/>
-              <a:t>16/01/2016</a:t>
+              <a:t>18/01/2016</a:t>
             </a:fld>
             <a:endParaRPr lang="fr-FR"/>
           </a:p>
@@ -2058,7 +2058,7 @@
             <a:fld id="{5BBF241E-D95D-F947-BD40-BA0B1092A59D}" type="datetimeFigureOut">
               <a:rPr lang="fr-FR" smtClean="0"/>
               <a:pPr/>
-              <a:t>16/01/2016</a:t>
+              <a:t>18/01/2016</a:t>
             </a:fld>
             <a:endParaRPr lang="fr-FR"/>
           </a:p>
@@ -2584,7 +2584,7 @@
             <a:fld id="{5BBF241E-D95D-F947-BD40-BA0B1092A59D}" type="datetimeFigureOut">
               <a:rPr lang="fr-FR" smtClean="0"/>
               <a:pPr/>
-              <a:t>16/01/2016</a:t>
+              <a:t>18/01/2016</a:t>
             </a:fld>
             <a:endParaRPr lang="fr-FR"/>
           </a:p>
@@ -2868,7 +2868,7 @@
             <a:fld id="{5BBF241E-D95D-F947-BD40-BA0B1092A59D}" type="datetimeFigureOut">
               <a:rPr lang="fr-FR" smtClean="0"/>
               <a:pPr/>
-              <a:t>16/01/2016</a:t>
+              <a:t>18/01/2016</a:t>
             </a:fld>
             <a:endParaRPr lang="fr-FR"/>
           </a:p>
@@ -3116,7 +3116,7 @@
             <a:fld id="{5BBF241E-D95D-F947-BD40-BA0B1092A59D}" type="datetimeFigureOut">
               <a:rPr lang="fr-FR" smtClean="0"/>
               <a:pPr/>
-              <a:t>16/01/2016</a:t>
+              <a:t>18/01/2016</a:t>
             </a:fld>
             <a:endParaRPr lang="fr-FR"/>
           </a:p>
@@ -3305,7 +3305,7 @@
             <a:fld id="{5BBF241E-D95D-F947-BD40-BA0B1092A59D}" type="datetimeFigureOut">
               <a:rPr lang="fr-FR" smtClean="0"/>
               <a:pPr/>
-              <a:t>16/01/2016</a:t>
+              <a:t>18/01/2016</a:t>
             </a:fld>
             <a:endParaRPr lang="fr-FR"/>
           </a:p>
@@ -3660,7 +3660,7 @@
             <a:fld id="{5BBF241E-D95D-F947-BD40-BA0B1092A59D}" type="datetimeFigureOut">
               <a:rPr lang="fr-FR" smtClean="0"/>
               <a:pPr/>
-              <a:t>16/01/2016</a:t>
+              <a:t>18/01/2016</a:t>
             </a:fld>
             <a:endParaRPr lang="fr-FR"/>
           </a:p>
@@ -4238,7 +4238,7 @@
           <a:bodyPr/>
           <a:lstStyle/>
           <a:p>
-            <a:endParaRPr lang="fr-FR"/>
+            <a:endParaRPr lang="fr-FR" dirty="0"/>
           </a:p>
         </p:txBody>
       </p:sp>
@@ -4294,6 +4294,91 @@
           </a:xfrm>
         </p:spPr>
       </p:pic>
+      <p:sp>
+        <p:nvSpPr>
+          <p:cNvPr id="3" name="ZoneTexte 2"/>
+          <p:cNvSpPr txBox="1"/>
+          <p:nvPr/>
+        </p:nvSpPr>
+        <p:spPr>
+          <a:xfrm>
+            <a:off x="968980" y="2330841"/>
+            <a:ext cx="2799164" cy="892552"/>
+          </a:xfrm>
+          <a:prstGeom prst="rect">
+            <a:avLst/>
+          </a:prstGeom>
+          <a:noFill/>
+          <a:ln>
+            <a:noFill/>
+          </a:ln>
+        </p:spPr>
+        <p:style>
+          <a:lnRef idx="2">
+            <a:schemeClr val="accent6"/>
+          </a:lnRef>
+          <a:fillRef idx="1">
+            <a:schemeClr val="lt1"/>
+          </a:fillRef>
+          <a:effectRef idx="0">
+            <a:schemeClr val="accent6"/>
+          </a:effectRef>
+          <a:fontRef idx="minor">
+            <a:schemeClr val="dk1"/>
+          </a:fontRef>
+        </p:style>
+        <p:txBody>
+          <a:bodyPr wrap="none" rtlCol="0">
+            <a:spAutoFit/>
+          </a:bodyPr>
+          <a:lstStyle/>
+          <a:p>
+            <a:r>
+              <a:rPr lang="fr-FR" sz="2600" dirty="0" smtClean="0">
+                <a:solidFill>
+                  <a:srgbClr val="123A61"/>
+                </a:solidFill>
+                <a:latin typeface="Segoe UI Black" panose="020B0A02040204020203" pitchFamily="34" charset="0"/>
+                <a:ea typeface="Segoe UI Black" panose="020B0A02040204020203" pitchFamily="34" charset="0"/>
+                <a:cs typeface="Segoe UI Black" panose="020B0A02040204020203" pitchFamily="34" charset="0"/>
+              </a:rPr>
+              <a:t>Sérialisation de </a:t>
+            </a:r>
+          </a:p>
+          <a:p>
+            <a:r>
+              <a:rPr lang="fr-FR" sz="2600" dirty="0">
+                <a:solidFill>
+                  <a:srgbClr val="123A61"/>
+                </a:solidFill>
+                <a:latin typeface="Segoe UI Black" panose="020B0A02040204020203" pitchFamily="34" charset="0"/>
+                <a:ea typeface="Segoe UI Black" panose="020B0A02040204020203" pitchFamily="34" charset="0"/>
+                <a:cs typeface="Segoe UI Black" panose="020B0A02040204020203" pitchFamily="34" charset="0"/>
+              </a:rPr>
+              <a:t>	</a:t>
+            </a:r>
+            <a:r>
+              <a:rPr lang="fr-FR" sz="2600" dirty="0" smtClean="0">
+                <a:solidFill>
+                  <a:srgbClr val="123A61"/>
+                </a:solidFill>
+                <a:latin typeface="Segoe UI Black" panose="020B0A02040204020203" pitchFamily="34" charset="0"/>
+                <a:ea typeface="Segoe UI Black" panose="020B0A02040204020203" pitchFamily="34" charset="0"/>
+                <a:cs typeface="Segoe UI Black" panose="020B0A02040204020203" pitchFamily="34" charset="0"/>
+              </a:rPr>
+              <a:t>l’histoire</a:t>
+            </a:r>
+            <a:endParaRPr lang="fr-FR" sz="2600" dirty="0">
+              <a:solidFill>
+                <a:srgbClr val="123A61"/>
+              </a:solidFill>
+              <a:latin typeface="Segoe UI Black" panose="020B0A02040204020203" pitchFamily="34" charset="0"/>
+              <a:ea typeface="Segoe UI Black" panose="020B0A02040204020203" pitchFamily="34" charset="0"/>
+              <a:cs typeface="Segoe UI Black" panose="020B0A02040204020203" pitchFamily="34" charset="0"/>
+            </a:endParaRPr>
+          </a:p>
+        </p:txBody>
+      </p:sp>
     </p:spTree>
     <p:extLst>
       <p:ext uri="{BB962C8B-B14F-4D97-AF65-F5344CB8AC3E}">

--- a/Diapo/DIapo.pptx
+++ b/Diapo/DIapo.pptx
@@ -9,14 +9,14 @@
   </p:handoutMasterIdLst>
   <p:sldIdLst>
     <p:sldId id="256" r:id="rId3"/>
-    <p:sldId id="268" r:id="rId4"/>
-    <p:sldId id="257" r:id="rId5"/>
-    <p:sldId id="267" r:id="rId6"/>
-    <p:sldId id="259" r:id="rId7"/>
-    <p:sldId id="262" r:id="rId8"/>
-    <p:sldId id="263" r:id="rId9"/>
-    <p:sldId id="264" r:id="rId10"/>
-    <p:sldId id="265" r:id="rId11"/>
+    <p:sldId id="271" r:id="rId4"/>
+    <p:sldId id="272" r:id="rId5"/>
+    <p:sldId id="268" r:id="rId6"/>
+    <p:sldId id="257" r:id="rId7"/>
+    <p:sldId id="267" r:id="rId8"/>
+    <p:sldId id="259" r:id="rId9"/>
+    <p:sldId id="269" r:id="rId10"/>
+    <p:sldId id="270" r:id="rId11"/>
   </p:sldIdLst>
   <p:sldSz cx="9144000" cy="5143500" type="screen16x9"/>
   <p:notesSz cx="6858000" cy="9144000"/>
@@ -4091,7 +4091,11 @@
           <a:p>
             <a:r>
               <a:rPr lang="fr-FR" sz="1400" dirty="0" smtClean="0"/>
-              <a:t>DEBART Etienne – PETITCUENOT Mélanie</a:t>
+              <a:t>DEBARD </a:t>
+            </a:r>
+            <a:r>
+              <a:rPr lang="fr-FR" sz="1400" dirty="0" smtClean="0"/>
+              <a:t>Etienne – PETITCUENOT Mélanie</a:t>
             </a:r>
             <a:endParaRPr lang="fr-FR" sz="1400" dirty="0"/>
           </a:p>
@@ -4107,6 +4111,18 @@
   <p:clrMapOvr>
     <a:masterClrMapping/>
   </p:clrMapOvr>
+  <mc:AlternateContent xmlns:mc="http://schemas.openxmlformats.org/markup-compatibility/2006">
+    <mc:Choice xmlns:p14="http://schemas.microsoft.com/office/powerpoint/2010/main" Requires="p14">
+      <p:transition spd="slow" p14:dur="3900">
+        <p14:glitter pattern="hexagon"/>
+      </p:transition>
+    </mc:Choice>
+    <mc:Fallback>
+      <p:transition spd="slow">
+        <p:fade/>
+      </p:transition>
+    </mc:Fallback>
+  </mc:AlternateContent>
   <p:timing>
     <p:tnLst>
       <p:par>
@@ -4147,13 +4163,29 @@
         <p:spPr/>
         <p:txBody>
           <a:bodyPr>
-            <a:normAutofit/>
+            <a:normAutofit fontScale="90000"/>
           </a:bodyPr>
           <a:lstStyle/>
           <a:p>
             <a:r>
-              <a:rPr lang="fr-FR" dirty="0" smtClean="0"/>
-              <a:t>Création d’un éditeur</a:t>
+              <a:rPr lang="fr-FR" b="1" dirty="0" err="1"/>
+              <a:t>Unified</a:t>
+            </a:r>
+            <a:r>
+              <a:rPr lang="fr-FR" b="1" dirty="0"/>
+              <a:t> </a:t>
+            </a:r>
+            <a:r>
+              <a:rPr lang="fr-FR" b="1" dirty="0" err="1"/>
+              <a:t>Modeling</a:t>
+            </a:r>
+            <a:r>
+              <a:rPr lang="fr-FR" b="1" dirty="0"/>
+              <a:t> </a:t>
+            </a:r>
+            <a:r>
+              <a:rPr lang="fr-FR" b="1" dirty="0" err="1"/>
+              <a:t>Language</a:t>
             </a:r>
             <a:endParaRPr lang="fr-FR" dirty="0"/>
           </a:p>
@@ -4181,21 +4213,38 @@
           <a:p>
             <a:r>
               <a:rPr lang="fr-FR" dirty="0" smtClean="0"/>
-              <a:t>Chapitre 1</a:t>
-            </a:r>
+              <a:t>Chapitre </a:t>
+            </a:r>
+            <a:r>
+              <a:rPr lang="fr-FR" dirty="0" smtClean="0"/>
+              <a:t>1</a:t>
+            </a:r>
+            <a:endParaRPr lang="fr-FR" dirty="0" smtClean="0"/>
           </a:p>
         </p:txBody>
       </p:sp>
     </p:spTree>
     <p:extLst>
       <p:ext uri="{BB962C8B-B14F-4D97-AF65-F5344CB8AC3E}">
-        <p14:creationId xmlns:p14="http://schemas.microsoft.com/office/powerpoint/2010/main" val="4079372471"/>
+        <p14:creationId xmlns:p14="http://schemas.microsoft.com/office/powerpoint/2010/main" val="1028754321"/>
       </p:ext>
     </p:extLst>
   </p:cSld>
   <p:clrMapOvr>
     <a:masterClrMapping/>
   </p:clrMapOvr>
+  <mc:AlternateContent xmlns:mc="http://schemas.openxmlformats.org/markup-compatibility/2006">
+    <mc:Choice xmlns:p15="http://schemas.microsoft.com/office/powerpoint/2012/main" Requires="p15">
+      <p:transition xmlns:p14="http://schemas.microsoft.com/office/powerpoint/2010/main" spd="slow" p14:dur="2000">
+        <p15:prstTrans prst="drape"/>
+      </p:transition>
+    </mc:Choice>
+    <mc:Fallback>
+      <p:transition spd="slow">
+        <p:fade/>
+      </p:transition>
+    </mc:Fallback>
+  </mc:AlternateContent>
   <p:timing>
     <p:tnLst>
       <p:par>
@@ -4258,6 +4307,245 @@
           <a:lstStyle/>
           <a:p>
             <a:r>
+              <a:rPr lang="fr-FR" b="1" dirty="0" err="1"/>
+              <a:t>Unified</a:t>
+            </a:r>
+            <a:r>
+              <a:rPr lang="fr-FR" b="1" dirty="0"/>
+              <a:t> </a:t>
+            </a:r>
+            <a:r>
+              <a:rPr lang="fr-FR" b="1" dirty="0" err="1"/>
+              <a:t>Modeling</a:t>
+            </a:r>
+            <a:r>
+              <a:rPr lang="fr-FR" b="1" dirty="0"/>
+              <a:t> </a:t>
+            </a:r>
+            <a:r>
+              <a:rPr lang="fr-FR" b="1" dirty="0" err="1"/>
+              <a:t>Language</a:t>
+            </a:r>
+            <a:endParaRPr lang="fr-FR" dirty="0"/>
+          </a:p>
+        </p:txBody>
+      </p:sp>
+      <p:sp>
+        <p:nvSpPr>
+          <p:cNvPr id="5" name="Espace réservé du contenu 4"/>
+          <p:cNvSpPr>
+            <a:spLocks noGrp="1"/>
+          </p:cNvSpPr>
+          <p:nvPr>
+            <p:ph idx="1"/>
+          </p:nvPr>
+        </p:nvSpPr>
+        <p:spPr/>
+        <p:txBody>
+          <a:bodyPr/>
+          <a:lstStyle/>
+          <a:p>
+            <a:endParaRPr lang="fr-FR"/>
+          </a:p>
+        </p:txBody>
+      </p:sp>
+    </p:spTree>
+    <p:extLst>
+      <p:ext uri="{BB962C8B-B14F-4D97-AF65-F5344CB8AC3E}">
+        <p14:creationId xmlns:p14="http://schemas.microsoft.com/office/powerpoint/2010/main" val="220059126"/>
+      </p:ext>
+    </p:extLst>
+  </p:cSld>
+  <p:clrMapOvr>
+    <a:masterClrMapping/>
+  </p:clrMapOvr>
+  <mc:AlternateContent xmlns:mc="http://schemas.openxmlformats.org/markup-compatibility/2006">
+    <mc:Choice xmlns:p14="http://schemas.microsoft.com/office/powerpoint/2010/main" Requires="p14">
+      <p:transition spd="slow" p14:dur="4000">
+        <p14:vortex dir="r"/>
+      </p:transition>
+    </mc:Choice>
+    <mc:Fallback>
+      <p:transition spd="slow">
+        <p:fade/>
+      </p:transition>
+    </mc:Fallback>
+  </mc:AlternateContent>
+  <p:timing>
+    <p:tnLst>
+      <p:par>
+        <p:cTn id="1" dur="indefinite" restart="never" nodeType="tmRoot"/>
+      </p:par>
+    </p:tnLst>
+  </p:timing>
+</p:sld>
+</file>
+
+<file path=ppt/slides/slide4.xml><?xml version="1.0" encoding="utf-8"?>
+<p:sld xmlns:a="http://schemas.openxmlformats.org/drawingml/2006/main" xmlns:r="http://schemas.openxmlformats.org/officeDocument/2006/relationships" xmlns:p="http://schemas.openxmlformats.org/presentationml/2006/main">
+  <p:cSld>
+    <p:spTree>
+      <p:nvGrpSpPr>
+        <p:cNvPr id="1" name=""/>
+        <p:cNvGrpSpPr/>
+        <p:nvPr/>
+      </p:nvGrpSpPr>
+      <p:grpSpPr>
+        <a:xfrm>
+          <a:off x="0" y="0"/>
+          <a:ext cx="0" cy="0"/>
+          <a:chOff x="0" y="0"/>
+          <a:chExt cx="0" cy="0"/>
+        </a:xfrm>
+      </p:grpSpPr>
+      <p:sp>
+        <p:nvSpPr>
+          <p:cNvPr id="2" name="Titre 1"/>
+          <p:cNvSpPr>
+            <a:spLocks noGrp="1"/>
+          </p:cNvSpPr>
+          <p:nvPr>
+            <p:ph type="title"/>
+          </p:nvPr>
+        </p:nvSpPr>
+        <p:spPr/>
+        <p:txBody>
+          <a:bodyPr>
+            <a:normAutofit/>
+          </a:bodyPr>
+          <a:lstStyle/>
+          <a:p>
+            <a:r>
+              <a:rPr lang="fr-FR" dirty="0" smtClean="0"/>
+              <a:t>Création d’un éditeur</a:t>
+            </a:r>
+            <a:endParaRPr lang="fr-FR" dirty="0"/>
+          </a:p>
+        </p:txBody>
+      </p:sp>
+      <p:sp>
+        <p:nvSpPr>
+          <p:cNvPr id="3" name="Sous-titre 2"/>
+          <p:cNvSpPr>
+            <a:spLocks noGrp="1"/>
+          </p:cNvSpPr>
+          <p:nvPr>
+            <p:ph type="subTitle" idx="13"/>
+          </p:nvPr>
+        </p:nvSpPr>
+        <p:spPr>
+          <a:xfrm>
+            <a:off x="3358120" y="1027282"/>
+            <a:ext cx="3188535" cy="400110"/>
+          </a:xfrm>
+        </p:spPr>
+        <p:txBody>
+          <a:bodyPr/>
+          <a:lstStyle/>
+          <a:p>
+            <a:r>
+              <a:rPr lang="fr-FR" dirty="0" smtClean="0"/>
+              <a:t>Chapitre </a:t>
+            </a:r>
+            <a:r>
+              <a:rPr lang="fr-FR" dirty="0" smtClean="0"/>
+              <a:t>2</a:t>
+            </a:r>
+            <a:endParaRPr lang="fr-FR" dirty="0" smtClean="0"/>
+          </a:p>
+        </p:txBody>
+      </p:sp>
+    </p:spTree>
+    <p:extLst>
+      <p:ext uri="{BB962C8B-B14F-4D97-AF65-F5344CB8AC3E}">
+        <p14:creationId xmlns:p14="http://schemas.microsoft.com/office/powerpoint/2010/main" val="4079372471"/>
+      </p:ext>
+    </p:extLst>
+  </p:cSld>
+  <p:clrMapOvr>
+    <a:masterClrMapping/>
+  </p:clrMapOvr>
+  <mc:AlternateContent xmlns:mc="http://schemas.openxmlformats.org/markup-compatibility/2006">
+    <mc:Choice xmlns:p15="http://schemas.microsoft.com/office/powerpoint/2012/main" Requires="p15">
+      <p:transition xmlns:p14="http://schemas.microsoft.com/office/powerpoint/2010/main" spd="slow" p14:dur="6000">
+        <p15:prstTrans prst="curtains"/>
+      </p:transition>
+    </mc:Choice>
+    <mc:Fallback>
+      <p:transition spd="slow">
+        <p:fade/>
+      </p:transition>
+    </mc:Fallback>
+  </mc:AlternateContent>
+  <p:timing>
+    <p:tnLst>
+      <p:par>
+        <p:cTn id="1" dur="indefinite" restart="never" nodeType="tmRoot"/>
+      </p:par>
+    </p:tnLst>
+  </p:timing>
+</p:sld>
+</file>
+
+<file path=ppt/slides/slide5.xml><?xml version="1.0" encoding="utf-8"?>
+<p:sld xmlns:a="http://schemas.openxmlformats.org/drawingml/2006/main" xmlns:r="http://schemas.openxmlformats.org/officeDocument/2006/relationships" xmlns:p="http://schemas.openxmlformats.org/presentationml/2006/main">
+  <p:cSld>
+    <p:spTree>
+      <p:nvGrpSpPr>
+        <p:cNvPr id="1" name=""/>
+        <p:cNvGrpSpPr/>
+        <p:nvPr/>
+      </p:nvGrpSpPr>
+      <p:grpSpPr>
+        <a:xfrm>
+          <a:off x="0" y="0"/>
+          <a:ext cx="0" cy="0"/>
+          <a:chOff x="0" y="0"/>
+          <a:chExt cx="0" cy="0"/>
+        </a:xfrm>
+      </p:grpSpPr>
+      <p:sp>
+        <p:nvSpPr>
+          <p:cNvPr id="2" name="Titre 1"/>
+          <p:cNvSpPr>
+            <a:spLocks noGrp="1"/>
+          </p:cNvSpPr>
+          <p:nvPr>
+            <p:ph type="title"/>
+          </p:nvPr>
+        </p:nvSpPr>
+        <p:spPr/>
+        <p:txBody>
+          <a:bodyPr/>
+          <a:lstStyle/>
+          <a:p>
+            <a:r>
+              <a:rPr lang="fr-FR" dirty="0" smtClean="0"/>
+              <a:t>Chapitre 2</a:t>
+            </a:r>
+            <a:br>
+              <a:rPr lang="fr-FR" dirty="0" smtClean="0"/>
+            </a:br>
+            <a:endParaRPr lang="fr-FR" dirty="0"/>
+          </a:p>
+        </p:txBody>
+      </p:sp>
+      <p:sp>
+        <p:nvSpPr>
+          <p:cNvPr id="4" name="Espace réservé du texte 3"/>
+          <p:cNvSpPr>
+            <a:spLocks noGrp="1"/>
+          </p:cNvSpPr>
+          <p:nvPr>
+            <p:ph type="body" sz="quarter" idx="13"/>
+          </p:nvPr>
+        </p:nvSpPr>
+        <p:spPr/>
+        <p:txBody>
+          <a:bodyPr/>
+          <a:lstStyle/>
+          <a:p>
+            <a:r>
               <a:rPr lang="fr-FR" dirty="0" smtClean="0"/>
               <a:t>Création d’un éditeur</a:t>
             </a:r>
@@ -4389,225 +4677,18 @@
   <p:clrMapOvr>
     <a:masterClrMapping/>
   </p:clrMapOvr>
-  <p:timing>
-    <p:tnLst>
-      <p:par>
-        <p:cTn id="1" dur="indefinite" restart="never" nodeType="tmRoot"/>
-      </p:par>
-    </p:tnLst>
-  </p:timing>
-</p:sld>
-</file>
-
-<file path=ppt/slides/slide4.xml><?xml version="1.0" encoding="utf-8"?>
-<p:sld xmlns:a="http://schemas.openxmlformats.org/drawingml/2006/main" xmlns:r="http://schemas.openxmlformats.org/officeDocument/2006/relationships" xmlns:p="http://schemas.openxmlformats.org/presentationml/2006/main">
-  <p:cSld>
-    <p:spTree>
-      <p:nvGrpSpPr>
-        <p:cNvPr id="1" name=""/>
-        <p:cNvGrpSpPr/>
-        <p:nvPr/>
-      </p:nvGrpSpPr>
-      <p:grpSpPr>
-        <a:xfrm>
-          <a:off x="0" y="0"/>
-          <a:ext cx="0" cy="0"/>
-          <a:chOff x="0" y="0"/>
-          <a:chExt cx="0" cy="0"/>
-        </a:xfrm>
-      </p:grpSpPr>
-      <p:sp>
-        <p:nvSpPr>
-          <p:cNvPr id="2" name="Titre 1"/>
-          <p:cNvSpPr>
-            <a:spLocks noGrp="1"/>
-          </p:cNvSpPr>
-          <p:nvPr>
-            <p:ph type="title"/>
-          </p:nvPr>
-        </p:nvSpPr>
-        <p:spPr/>
-        <p:txBody>
-          <a:bodyPr/>
-          <a:lstStyle/>
-          <a:p>
-            <a:r>
-              <a:rPr lang="fr-FR" dirty="0" smtClean="0"/>
-              <a:t>Création des menus</a:t>
-            </a:r>
-            <a:endParaRPr lang="fr-FR" dirty="0"/>
-          </a:p>
-        </p:txBody>
-      </p:sp>
-      <p:sp>
-        <p:nvSpPr>
-          <p:cNvPr id="3" name="Sous-titre 2"/>
-          <p:cNvSpPr>
-            <a:spLocks noGrp="1"/>
-          </p:cNvSpPr>
-          <p:nvPr>
-            <p:ph type="subTitle" idx="13"/>
-          </p:nvPr>
-        </p:nvSpPr>
-        <p:spPr/>
-        <p:txBody>
-          <a:bodyPr/>
-          <a:lstStyle/>
-          <a:p>
-            <a:r>
-              <a:rPr lang="fr-FR" dirty="0" smtClean="0"/>
-              <a:t>Chapitre 2</a:t>
-            </a:r>
-            <a:endParaRPr lang="fr-FR" dirty="0"/>
-          </a:p>
-        </p:txBody>
-      </p:sp>
-    </p:spTree>
-    <p:extLst>
-      <p:ext uri="{BB962C8B-B14F-4D97-AF65-F5344CB8AC3E}">
-        <p14:creationId xmlns:p14="http://schemas.microsoft.com/office/powerpoint/2010/main" val="4017012175"/>
-      </p:ext>
-    </p:extLst>
-  </p:cSld>
-  <p:clrMapOvr>
-    <a:masterClrMapping/>
-  </p:clrMapOvr>
-  <p:timing>
-    <p:tnLst>
-      <p:par>
-        <p:cTn id="1" dur="indefinite" restart="never" nodeType="tmRoot"/>
-      </p:par>
-    </p:tnLst>
-  </p:timing>
-</p:sld>
-</file>
-
-<file path=ppt/slides/slide5.xml><?xml version="1.0" encoding="utf-8"?>
-<p:sld xmlns:a="http://schemas.openxmlformats.org/drawingml/2006/main" xmlns:r="http://schemas.openxmlformats.org/officeDocument/2006/relationships" xmlns:p="http://schemas.openxmlformats.org/presentationml/2006/main">
-  <p:cSld>
-    <p:spTree>
-      <p:nvGrpSpPr>
-        <p:cNvPr id="1" name=""/>
-        <p:cNvGrpSpPr/>
-        <p:nvPr/>
-      </p:nvGrpSpPr>
-      <p:grpSpPr>
-        <a:xfrm>
-          <a:off x="0" y="0"/>
-          <a:ext cx="0" cy="0"/>
-          <a:chOff x="0" y="0"/>
-          <a:chExt cx="0" cy="0"/>
-        </a:xfrm>
-      </p:grpSpPr>
-      <p:sp>
-        <p:nvSpPr>
-          <p:cNvPr id="5" name="Espace réservé du texte 4"/>
-          <p:cNvSpPr>
-            <a:spLocks noGrp="1"/>
-          </p:cNvSpPr>
-          <p:nvPr>
-            <p:ph type="body" sz="quarter" idx="13"/>
-          </p:nvPr>
-        </p:nvSpPr>
-        <p:spPr/>
-        <p:txBody>
-          <a:bodyPr/>
-          <a:lstStyle/>
-          <a:p>
-            <a:r>
-              <a:rPr lang="fr-FR" dirty="0" smtClean="0"/>
-              <a:t>Création des menus</a:t>
-            </a:r>
-            <a:endParaRPr lang="fr-FR" dirty="0"/>
-          </a:p>
-        </p:txBody>
-      </p:sp>
-      <p:pic>
-        <p:nvPicPr>
-          <p:cNvPr id="9" name="Espace réservé du contenu 8"/>
-          <p:cNvPicPr>
-            <a:picLocks noGrp="1" noChangeAspect="1"/>
-          </p:cNvPicPr>
-          <p:nvPr>
-            <p:ph sz="half" idx="2"/>
-          </p:nvPr>
-        </p:nvPicPr>
-        <p:blipFill>
-          <a:blip r:embed="rId2">
-            <a:extLst>
-              <a:ext uri="{28A0092B-C50C-407E-A947-70E740481C1C}">
-                <a14:useLocalDpi xmlns:a14="http://schemas.microsoft.com/office/drawing/2010/main" val="0"/>
-              </a:ext>
-            </a:extLst>
-          </a:blip>
-          <a:stretch>
-            <a:fillRect/>
-          </a:stretch>
-        </p:blipFill>
-        <p:spPr>
-          <a:xfrm>
-            <a:off x="3689130" y="838132"/>
-            <a:ext cx="5330501" cy="4206834"/>
-          </a:xfrm>
-        </p:spPr>
-      </p:pic>
-      <p:sp>
-        <p:nvSpPr>
-          <p:cNvPr id="2" name="Titre 1"/>
-          <p:cNvSpPr>
-            <a:spLocks noGrp="1"/>
-          </p:cNvSpPr>
-          <p:nvPr>
-            <p:ph type="title"/>
-          </p:nvPr>
-        </p:nvSpPr>
-        <p:spPr/>
-        <p:txBody>
-          <a:bodyPr/>
-          <a:lstStyle/>
-          <a:p>
-            <a:endParaRPr lang="fr-FR"/>
-          </a:p>
-        </p:txBody>
-      </p:sp>
-      <p:sp>
-        <p:nvSpPr>
-          <p:cNvPr id="7" name="Espace réservé du texte 6"/>
-          <p:cNvSpPr>
-            <a:spLocks noGrp="1"/>
-          </p:cNvSpPr>
-          <p:nvPr>
-            <p:ph type="body" sz="quarter" idx="16"/>
-          </p:nvPr>
-        </p:nvSpPr>
-        <p:spPr>
-          <a:xfrm>
-            <a:off x="314226" y="2363164"/>
-            <a:ext cx="2831629" cy="589563"/>
-          </a:xfrm>
-        </p:spPr>
-        <p:txBody>
-          <a:bodyPr/>
-          <a:lstStyle/>
-          <a:p>
-            <a:r>
-              <a:rPr lang="fr-FR" dirty="0" smtClean="0"/>
-              <a:t>Exemple</a:t>
-            </a:r>
-            <a:endParaRPr lang="fr-FR" dirty="0"/>
-          </a:p>
-        </p:txBody>
-      </p:sp>
-    </p:spTree>
-    <p:extLst>
-      <p:ext uri="{BB962C8B-B14F-4D97-AF65-F5344CB8AC3E}">
-        <p14:creationId xmlns:p14="http://schemas.microsoft.com/office/powerpoint/2010/main" val="1554283246"/>
-      </p:ext>
-    </p:extLst>
-  </p:cSld>
-  <p:clrMapOvr>
-    <a:masterClrMapping/>
-  </p:clrMapOvr>
+  <mc:AlternateContent xmlns:mc="http://schemas.openxmlformats.org/markup-compatibility/2006">
+    <mc:Choice xmlns:p15="http://schemas.microsoft.com/office/powerpoint/2012/main" Requires="p15">
+      <p:transition xmlns:p14="http://schemas.microsoft.com/office/powerpoint/2010/main" spd="slow" p14:dur="3250">
+        <p15:prstTrans prst="origami"/>
+      </p:transition>
+    </mc:Choice>
+    <mc:Fallback>
+      <p:transition spd="slow">
+        <p:fade/>
+      </p:transition>
+    </mc:Fallback>
+  </mc:AlternateContent>
   <p:timing>
     <p:tnLst>
       <p:par>
@@ -4650,18 +4731,22 @@
           <a:bodyPr/>
           <a:lstStyle/>
           <a:p>
-            <a:endParaRPr lang="fr-FR"/>
-          </a:p>
-        </p:txBody>
-      </p:sp>
-      <p:sp>
-        <p:nvSpPr>
-          <p:cNvPr id="3" name="Espace réservé du texte 2"/>
-          <p:cNvSpPr>
-            <a:spLocks noGrp="1"/>
-          </p:cNvSpPr>
-          <p:nvPr>
-            <p:ph type="body" idx="1"/>
+            <a:r>
+              <a:rPr lang="fr-FR" dirty="0" smtClean="0"/>
+              <a:t>Création des menus</a:t>
+            </a:r>
+            <a:endParaRPr lang="fr-FR" dirty="0"/>
+          </a:p>
+        </p:txBody>
+      </p:sp>
+      <p:sp>
+        <p:nvSpPr>
+          <p:cNvPr id="3" name="Sous-titre 2"/>
+          <p:cNvSpPr>
+            <a:spLocks noGrp="1"/>
+          </p:cNvSpPr>
+          <p:nvPr>
+            <p:ph type="subTitle" idx="13"/>
           </p:nvPr>
         </p:nvSpPr>
         <p:spPr/>
@@ -4669,82 +4754,40 @@
           <a:bodyPr/>
           <a:lstStyle/>
           <a:p>
-            <a:endParaRPr lang="fr-FR"/>
-          </a:p>
-        </p:txBody>
-      </p:sp>
-      <p:sp>
-        <p:nvSpPr>
-          <p:cNvPr id="4" name="Espace réservé du texte 3"/>
-          <p:cNvSpPr>
-            <a:spLocks noGrp="1"/>
-          </p:cNvSpPr>
-          <p:nvPr>
-            <p:ph type="body" sz="quarter" idx="3"/>
-          </p:nvPr>
-        </p:nvSpPr>
-        <p:spPr/>
-        <p:txBody>
-          <a:bodyPr/>
-          <a:lstStyle/>
-          <a:p>
-            <a:endParaRPr lang="fr-FR"/>
-          </a:p>
-        </p:txBody>
-      </p:sp>
-      <p:sp>
-        <p:nvSpPr>
-          <p:cNvPr id="5" name="Espace réservé du texte 4"/>
-          <p:cNvSpPr>
-            <a:spLocks noGrp="1"/>
-          </p:cNvSpPr>
-          <p:nvPr>
-            <p:ph type="body" sz="quarter" idx="14"/>
-          </p:nvPr>
-        </p:nvSpPr>
-        <p:spPr/>
-        <p:txBody>
-          <a:bodyPr/>
-          <a:lstStyle/>
-          <a:p>
-            <a:endParaRPr lang="fr-FR"/>
-          </a:p>
-        </p:txBody>
-      </p:sp>
-      <p:sp>
-        <p:nvSpPr>
-          <p:cNvPr id="6" name="Espace réservé du graphique 5"/>
-          <p:cNvSpPr>
-            <a:spLocks noGrp="1"/>
-          </p:cNvSpPr>
-          <p:nvPr>
-            <p:ph type="chart" sz="quarter" idx="15"/>
-          </p:nvPr>
-        </p:nvSpPr>
-        <p:spPr/>
-      </p:sp>
-      <p:sp>
-        <p:nvSpPr>
-          <p:cNvPr id="7" name="Espace réservé du graphique 6"/>
-          <p:cNvSpPr>
-            <a:spLocks noGrp="1"/>
-          </p:cNvSpPr>
-          <p:nvPr>
-            <p:ph type="chart" sz="quarter" idx="16"/>
-          </p:nvPr>
-        </p:nvSpPr>
-        <p:spPr/>
+            <a:r>
+              <a:rPr lang="fr-FR" dirty="0" smtClean="0"/>
+              <a:t>Chapitre </a:t>
+            </a:r>
+            <a:r>
+              <a:rPr lang="fr-FR" dirty="0" smtClean="0"/>
+              <a:t>3</a:t>
+            </a:r>
+            <a:endParaRPr lang="fr-FR" dirty="0"/>
+          </a:p>
+        </p:txBody>
       </p:sp>
     </p:spTree>
     <p:extLst>
       <p:ext uri="{BB962C8B-B14F-4D97-AF65-F5344CB8AC3E}">
-        <p14:creationId xmlns:p14="http://schemas.microsoft.com/office/powerpoint/2010/main" val="254268587"/>
+        <p14:creationId xmlns:p14="http://schemas.microsoft.com/office/powerpoint/2010/main" val="4017012175"/>
       </p:ext>
     </p:extLst>
   </p:cSld>
   <p:clrMapOvr>
     <a:masterClrMapping/>
   </p:clrMapOvr>
+  <mc:AlternateContent xmlns:mc="http://schemas.openxmlformats.org/markup-compatibility/2006">
+    <mc:Choice xmlns:p15="http://schemas.microsoft.com/office/powerpoint/2012/main" Requires="p15">
+      <p:transition xmlns:p14="http://schemas.microsoft.com/office/powerpoint/2010/main" spd="slow" p14:dur="2000">
+        <p15:prstTrans prst="wind"/>
+      </p:transition>
+    </mc:Choice>
+    <mc:Fallback>
+      <p:transition spd="slow">
+        <p:fade/>
+      </p:transition>
+    </mc:Fallback>
+  </mc:AlternateContent>
   <p:timing>
     <p:tnLst>
       <p:par>
@@ -4774,7 +4817,7 @@
       </p:grpSpPr>
       <p:sp>
         <p:nvSpPr>
-          <p:cNvPr id="2" name="Espace réservé du texte 1"/>
+          <p:cNvPr id="5" name="Espace réservé du texte 4"/>
           <p:cNvSpPr>
             <a:spLocks noGrp="1"/>
           </p:cNvSpPr>
@@ -4787,18 +4830,51 @@
           <a:bodyPr/>
           <a:lstStyle/>
           <a:p>
-            <a:endParaRPr lang="fr-FR"/>
-          </a:p>
-        </p:txBody>
-      </p:sp>
-      <p:sp>
-        <p:nvSpPr>
-          <p:cNvPr id="3" name="Espace réservé du texte 2"/>
-          <p:cNvSpPr>
-            <a:spLocks noGrp="1"/>
-          </p:cNvSpPr>
-          <p:nvPr>
-            <p:ph type="body" sz="quarter" idx="14"/>
+            <a:r>
+              <a:rPr lang="fr-FR" dirty="0" smtClean="0"/>
+              <a:t>Création des menus</a:t>
+            </a:r>
+            <a:endParaRPr lang="fr-FR" dirty="0"/>
+          </a:p>
+        </p:txBody>
+      </p:sp>
+      <p:pic>
+        <p:nvPicPr>
+          <p:cNvPr id="9" name="Espace réservé du contenu 8"/>
+          <p:cNvPicPr>
+            <a:picLocks noGrp="1" noChangeAspect="1"/>
+          </p:cNvPicPr>
+          <p:nvPr>
+            <p:ph sz="half" idx="2"/>
+          </p:nvPr>
+        </p:nvPicPr>
+        <p:blipFill>
+          <a:blip r:embed="rId2">
+            <a:extLst>
+              <a:ext uri="{28A0092B-C50C-407E-A947-70E740481C1C}">
+                <a14:useLocalDpi xmlns:a14="http://schemas.microsoft.com/office/drawing/2010/main" val="0"/>
+              </a:ext>
+            </a:extLst>
+          </a:blip>
+          <a:stretch>
+            <a:fillRect/>
+          </a:stretch>
+        </p:blipFill>
+        <p:spPr>
+          <a:xfrm>
+            <a:off x="3689130" y="838132"/>
+            <a:ext cx="5330501" cy="4206834"/>
+          </a:xfrm>
+        </p:spPr>
+      </p:pic>
+      <p:sp>
+        <p:nvSpPr>
+          <p:cNvPr id="2" name="Titre 1"/>
+          <p:cNvSpPr>
+            <a:spLocks noGrp="1"/>
+          </p:cNvSpPr>
+          <p:nvPr>
+            <p:ph type="title"/>
           </p:nvPr>
         </p:nvSpPr>
         <p:spPr/>
@@ -4806,20 +4882,67 @@
           <a:bodyPr/>
           <a:lstStyle/>
           <a:p>
-            <a:endParaRPr lang="fr-FR"/>
+            <a:r>
+              <a:rPr lang="fr-FR" dirty="0" smtClean="0"/>
+              <a:t>Chapitre 3</a:t>
+            </a:r>
+            <a:br>
+              <a:rPr lang="fr-FR" dirty="0" smtClean="0"/>
+            </a:br>
+            <a:endParaRPr lang="fr-FR" dirty="0"/>
+          </a:p>
+        </p:txBody>
+      </p:sp>
+      <p:sp>
+        <p:nvSpPr>
+          <p:cNvPr id="7" name="Espace réservé du texte 6"/>
+          <p:cNvSpPr>
+            <a:spLocks noGrp="1"/>
+          </p:cNvSpPr>
+          <p:nvPr>
+            <p:ph type="body" sz="quarter" idx="16"/>
+          </p:nvPr>
+        </p:nvSpPr>
+        <p:spPr>
+          <a:xfrm>
+            <a:off x="314226" y="2363164"/>
+            <a:ext cx="2831629" cy="589563"/>
+          </a:xfrm>
+        </p:spPr>
+        <p:txBody>
+          <a:bodyPr/>
+          <a:lstStyle/>
+          <a:p>
+            <a:r>
+              <a:rPr lang="fr-FR" dirty="0" smtClean="0"/>
+              <a:t>Exemple</a:t>
+            </a:r>
+            <a:endParaRPr lang="fr-FR" dirty="0"/>
           </a:p>
         </p:txBody>
       </p:sp>
     </p:spTree>
     <p:extLst>
       <p:ext uri="{BB962C8B-B14F-4D97-AF65-F5344CB8AC3E}">
-        <p14:creationId xmlns:p14="http://schemas.microsoft.com/office/powerpoint/2010/main" val="1592037520"/>
+        <p14:creationId xmlns:p14="http://schemas.microsoft.com/office/powerpoint/2010/main" val="1554283246"/>
       </p:ext>
     </p:extLst>
   </p:cSld>
   <p:clrMapOvr>
     <a:masterClrMapping/>
   </p:clrMapOvr>
+  <mc:AlternateContent xmlns:mc="http://schemas.openxmlformats.org/markup-compatibility/2006">
+    <mc:Choice xmlns:p14="http://schemas.microsoft.com/office/powerpoint/2010/main" Requires="p14">
+      <p:transition spd="slow" p14:dur="1400">
+        <p14:ripple/>
+      </p:transition>
+    </mc:Choice>
+    <mc:Fallback>
+      <p:transition spd="slow">
+        <p:fade/>
+      </p:transition>
+    </mc:Fallback>
+  </mc:AlternateContent>
   <p:timing>
     <p:tnLst>
       <p:par>
@@ -4847,16 +4970,78 @@
           <a:chExt cx="0" cy="0"/>
         </a:xfrm>
       </p:grpSpPr>
+      <p:sp>
+        <p:nvSpPr>
+          <p:cNvPr id="2" name="Titre 1"/>
+          <p:cNvSpPr>
+            <a:spLocks noGrp="1"/>
+          </p:cNvSpPr>
+          <p:nvPr>
+            <p:ph type="title"/>
+          </p:nvPr>
+        </p:nvSpPr>
+        <p:spPr/>
+        <p:txBody>
+          <a:bodyPr/>
+          <a:lstStyle/>
+          <a:p>
+            <a:r>
+              <a:rPr lang="fr-FR" dirty="0" smtClean="0"/>
+              <a:t>Liste des items</a:t>
+            </a:r>
+            <a:endParaRPr lang="fr-FR" dirty="0"/>
+          </a:p>
+        </p:txBody>
+      </p:sp>
+      <p:sp>
+        <p:nvSpPr>
+          <p:cNvPr id="3" name="Sous-titre 2"/>
+          <p:cNvSpPr>
+            <a:spLocks noGrp="1"/>
+          </p:cNvSpPr>
+          <p:nvPr>
+            <p:ph type="subTitle" idx="13"/>
+          </p:nvPr>
+        </p:nvSpPr>
+        <p:spPr/>
+        <p:txBody>
+          <a:bodyPr/>
+          <a:lstStyle/>
+          <a:p>
+            <a:r>
+              <a:rPr lang="fr-FR" dirty="0" smtClean="0"/>
+              <a:t>Chapitre </a:t>
+            </a:r>
+            <a:r>
+              <a:rPr lang="fr-FR" dirty="0" smtClean="0"/>
+              <a:t>4</a:t>
+            </a:r>
+            <a:endParaRPr lang="fr-FR" dirty="0"/>
+          </a:p>
+        </p:txBody>
+      </p:sp>
     </p:spTree>
     <p:extLst>
       <p:ext uri="{BB962C8B-B14F-4D97-AF65-F5344CB8AC3E}">
-        <p14:creationId xmlns:p14="http://schemas.microsoft.com/office/powerpoint/2010/main" val="2639436419"/>
+        <p14:creationId xmlns:p14="http://schemas.microsoft.com/office/powerpoint/2010/main" val="2969424450"/>
       </p:ext>
     </p:extLst>
   </p:cSld>
   <p:clrMapOvr>
     <a:masterClrMapping/>
   </p:clrMapOvr>
+  <mc:AlternateContent xmlns:mc="http://schemas.openxmlformats.org/markup-compatibility/2006">
+    <mc:Choice xmlns:p15="http://schemas.microsoft.com/office/powerpoint/2012/main" Requires="p15">
+      <p:transition xmlns:p14="http://schemas.microsoft.com/office/powerpoint/2010/main" spd="slow" p14:dur="2000">
+        <p15:prstTrans prst="fracture"/>
+      </p:transition>
+    </mc:Choice>
+    <mc:Fallback>
+      <p:transition spd="slow">
+        <p:fade/>
+      </p:transition>
+    </mc:Fallback>
+  </mc:AlternateContent>
   <p:timing>
     <p:tnLst>
       <p:par>
@@ -4886,12 +5071,12 @@
       </p:grpSpPr>
       <p:sp>
         <p:nvSpPr>
-          <p:cNvPr id="2" name="Espace réservé du texte 1"/>
-          <p:cNvSpPr>
-            <a:spLocks noGrp="1"/>
-          </p:cNvSpPr>
-          <p:nvPr>
-            <p:ph type="body" sz="half" idx="2"/>
+          <p:cNvPr id="5" name="Espace réservé du texte 4"/>
+          <p:cNvSpPr>
+            <a:spLocks noGrp="1"/>
+          </p:cNvSpPr>
+          <p:nvPr>
+            <p:ph type="body" sz="quarter" idx="13"/>
           </p:nvPr>
         </p:nvSpPr>
         <p:spPr/>
@@ -4899,18 +5084,51 @@
           <a:bodyPr/>
           <a:lstStyle/>
           <a:p>
-            <a:endParaRPr lang="fr-FR"/>
-          </a:p>
-        </p:txBody>
-      </p:sp>
-      <p:sp>
-        <p:nvSpPr>
-          <p:cNvPr id="3" name="Espace réservé du texte 2"/>
-          <p:cNvSpPr>
-            <a:spLocks noGrp="1"/>
-          </p:cNvSpPr>
-          <p:nvPr>
-            <p:ph type="body" sz="quarter" idx="14"/>
+            <a:r>
+              <a:rPr lang="fr-FR" dirty="0" smtClean="0"/>
+              <a:t>Liste des items</a:t>
+            </a:r>
+            <a:endParaRPr lang="fr-FR" dirty="0"/>
+          </a:p>
+        </p:txBody>
+      </p:sp>
+      <p:pic>
+        <p:nvPicPr>
+          <p:cNvPr id="9" name="Espace réservé du contenu 8"/>
+          <p:cNvPicPr>
+            <a:picLocks noGrp="1" noChangeAspect="1"/>
+          </p:cNvPicPr>
+          <p:nvPr>
+            <p:ph sz="half" idx="2"/>
+          </p:nvPr>
+        </p:nvPicPr>
+        <p:blipFill>
+          <a:blip r:embed="rId2">
+            <a:extLst>
+              <a:ext uri="{28A0092B-C50C-407E-A947-70E740481C1C}">
+                <a14:useLocalDpi xmlns:a14="http://schemas.microsoft.com/office/drawing/2010/main" val="0"/>
+              </a:ext>
+            </a:extLst>
+          </a:blip>
+          <a:stretch>
+            <a:fillRect/>
+          </a:stretch>
+        </p:blipFill>
+        <p:spPr>
+          <a:xfrm>
+            <a:off x="3689130" y="838132"/>
+            <a:ext cx="5330501" cy="4206834"/>
+          </a:xfrm>
+        </p:spPr>
+      </p:pic>
+      <p:sp>
+        <p:nvSpPr>
+          <p:cNvPr id="2" name="Titre 1"/>
+          <p:cNvSpPr>
+            <a:spLocks noGrp="1"/>
+          </p:cNvSpPr>
+          <p:nvPr>
+            <p:ph type="title"/>
           </p:nvPr>
         </p:nvSpPr>
         <p:spPr/>
@@ -4918,70 +5136,66 @@
           <a:bodyPr/>
           <a:lstStyle/>
           <a:p>
-            <a:endParaRPr lang="fr-FR"/>
-          </a:p>
-        </p:txBody>
-      </p:sp>
-      <p:sp>
-        <p:nvSpPr>
-          <p:cNvPr id="4" name="Espace réservé du texte 3"/>
-          <p:cNvSpPr>
-            <a:spLocks noGrp="1"/>
-          </p:cNvSpPr>
-          <p:nvPr>
-            <p:ph type="body" sz="quarter" idx="15"/>
-          </p:nvPr>
-        </p:nvSpPr>
-        <p:spPr/>
-        <p:txBody>
-          <a:bodyPr/>
+            <a:r>
+              <a:rPr lang="fr-FR" dirty="0" smtClean="0"/>
+              <a:t>Chapitre 4</a:t>
+            </a:r>
+            <a:endParaRPr lang="fr-FR" dirty="0"/>
+          </a:p>
+        </p:txBody>
+      </p:sp>
+      <p:sp>
+        <p:nvSpPr>
+          <p:cNvPr id="7" name="Espace réservé du texte 6"/>
+          <p:cNvSpPr>
+            <a:spLocks noGrp="1"/>
+          </p:cNvSpPr>
+          <p:nvPr>
+            <p:ph type="body" sz="quarter" idx="16"/>
+          </p:nvPr>
+        </p:nvSpPr>
+        <p:spPr>
+          <a:xfrm>
+            <a:off x="314226" y="2363164"/>
+            <a:ext cx="2831629" cy="589563"/>
+          </a:xfrm>
+        </p:spPr>
+        <p:txBody>
+          <a:bodyPr>
+            <a:normAutofit fontScale="77500" lnSpcReduction="20000"/>
+          </a:bodyPr>
           <a:lstStyle/>
           <a:p>
-            <a:endParaRPr lang="fr-FR"/>
-          </a:p>
-        </p:txBody>
-      </p:sp>
-      <p:sp>
-        <p:nvSpPr>
-          <p:cNvPr id="5" name="Espace réservé du texte 4"/>
-          <p:cNvSpPr>
-            <a:spLocks noGrp="1"/>
-          </p:cNvSpPr>
-          <p:nvPr>
-            <p:ph type="body" sz="quarter" idx="17"/>
-          </p:nvPr>
-        </p:nvSpPr>
-        <p:spPr/>
-        <p:txBody>
-          <a:bodyPr/>
-          <a:lstStyle/>
-          <a:p>
-            <a:endParaRPr lang="fr-FR"/>
-          </a:p>
-        </p:txBody>
-      </p:sp>
-      <p:sp>
-        <p:nvSpPr>
-          <p:cNvPr id="6" name="Espace réservé du tableau 5"/>
-          <p:cNvSpPr>
-            <a:spLocks noGrp="1"/>
-          </p:cNvSpPr>
-          <p:nvPr>
-            <p:ph type="tbl" sz="quarter" idx="19"/>
-          </p:nvPr>
-        </p:nvSpPr>
-        <p:spPr/>
+            <a:r>
+              <a:rPr lang="fr-FR" dirty="0" smtClean="0"/>
+              <a:t>Utilisation d’un bloc statique</a:t>
+            </a:r>
+            <a:endParaRPr lang="fr-FR" dirty="0"/>
+          </a:p>
+        </p:txBody>
       </p:sp>
     </p:spTree>
     <p:extLst>
       <p:ext uri="{BB962C8B-B14F-4D97-AF65-F5344CB8AC3E}">
-        <p14:creationId xmlns:p14="http://schemas.microsoft.com/office/powerpoint/2010/main" val="2362763898"/>
+        <p14:creationId xmlns:p14="http://schemas.microsoft.com/office/powerpoint/2010/main" val="3121328382"/>
       </p:ext>
     </p:extLst>
   </p:cSld>
   <p:clrMapOvr>
     <a:masterClrMapping/>
   </p:clrMapOvr>
+  <mc:AlternateContent xmlns:mc="http://schemas.openxmlformats.org/markup-compatibility/2006">
+    <mc:Choice xmlns:p15="http://schemas.microsoft.com/office/powerpoint/2012/main" Requires="p15">
+      <p:transition xmlns:p14="http://schemas.microsoft.com/office/powerpoint/2010/main" spd="slow" p14:dur="1250">
+        <p15:prstTrans prst="airplane"/>
+      </p:transition>
+    </mc:Choice>
+    <mc:Fallback>
+      <p:transition spd="slow">
+        <p:fade/>
+      </p:transition>
+    </mc:Fallback>
+  </mc:AlternateContent>
   <p:timing>
     <p:tnLst>
       <p:par>

--- a/Diapo/DIapo.pptx
+++ b/Diapo/DIapo.pptx
@@ -5,18 +5,21 @@
     <p:sldMasterId id="2147483648" r:id="rId2"/>
   </p:sldMasterIdLst>
   <p:handoutMasterIdLst>
-    <p:handoutMasterId r:id="rId12"/>
+    <p:handoutMasterId r:id="rId15"/>
   </p:handoutMasterIdLst>
   <p:sldIdLst>
     <p:sldId id="256" r:id="rId3"/>
     <p:sldId id="271" r:id="rId4"/>
     <p:sldId id="272" r:id="rId5"/>
-    <p:sldId id="268" r:id="rId6"/>
-    <p:sldId id="257" r:id="rId7"/>
-    <p:sldId id="267" r:id="rId8"/>
-    <p:sldId id="259" r:id="rId9"/>
-    <p:sldId id="269" r:id="rId10"/>
-    <p:sldId id="270" r:id="rId11"/>
+    <p:sldId id="273" r:id="rId6"/>
+    <p:sldId id="268" r:id="rId7"/>
+    <p:sldId id="257" r:id="rId8"/>
+    <p:sldId id="267" r:id="rId9"/>
+    <p:sldId id="259" r:id="rId10"/>
+    <p:sldId id="269" r:id="rId11"/>
+    <p:sldId id="270" r:id="rId12"/>
+    <p:sldId id="274" r:id="rId13"/>
+    <p:sldId id="275" r:id="rId14"/>
   </p:sldIdLst>
   <p:sldSz cx="9144000" cy="5143500" type="screen16x9"/>
   <p:notesSz cx="6858000" cy="9144000"/>
@@ -116,6 +119,26 @@
     </a:lvl9pPr>
   </p:defaultTextStyle>
   <p:extLst>
+    <p:ext uri="{521415D9-36F7-43E2-AB2F-B90AF26B5E84}">
+      <p14:sectionLst xmlns:p14="http://schemas.microsoft.com/office/powerpoint/2010/main">
+        <p14:section name="Section par défaut" id="{997430E2-E81B-4688-A7CD-C915A6284039}">
+          <p14:sldIdLst>
+            <p14:sldId id="256"/>
+            <p14:sldId id="271"/>
+            <p14:sldId id="272"/>
+            <p14:sldId id="273"/>
+            <p14:sldId id="268"/>
+            <p14:sldId id="257"/>
+            <p14:sldId id="267"/>
+            <p14:sldId id="259"/>
+            <p14:sldId id="269"/>
+            <p14:sldId id="270"/>
+            <p14:sldId id="274"/>
+            <p14:sldId id="275"/>
+          </p14:sldIdLst>
+        </p14:section>
+      </p14:sectionLst>
+    </p:ext>
     <p:ext uri="{EFAFB233-063F-42B5-8137-9DF3F51BA10A}">
       <p15:sldGuideLst xmlns:p15="http://schemas.microsoft.com/office/powerpoint/2012/main">
         <p15:guide id="1" orient="horz" pos="1620">
@@ -4091,11 +4114,7 @@
           <a:p>
             <a:r>
               <a:rPr lang="fr-FR" sz="1400" dirty="0" smtClean="0"/>
-              <a:t>DEBARD </a:t>
-            </a:r>
-            <a:r>
-              <a:rPr lang="fr-FR" sz="1400" dirty="0" smtClean="0"/>
-              <a:t>Etienne – PETITCUENOT Mélanie</a:t>
+              <a:t>DEBARD Etienne – PETITCUENOT Mélanie</a:t>
             </a:r>
             <a:endParaRPr lang="fr-FR" sz="1400" dirty="0"/>
           </a:p>
@@ -4111,18 +4130,446 @@
   <p:clrMapOvr>
     <a:masterClrMapping/>
   </p:clrMapOvr>
-  <mc:AlternateContent xmlns:mc="http://schemas.openxmlformats.org/markup-compatibility/2006">
-    <mc:Choice xmlns:p14="http://schemas.microsoft.com/office/powerpoint/2010/main" Requires="p14">
+  <mc:AlternateContent xmlns:mc="http://schemas.openxmlformats.org/markup-compatibility/2006" xmlns:p14="http://schemas.microsoft.com/office/powerpoint/2010/main">
+    <mc:Choice Requires="p14">
       <p:transition spd="slow" p14:dur="3900">
         <p14:glitter pattern="hexagon"/>
       </p:transition>
     </mc:Choice>
-    <mc:Fallback>
+    <mc:Fallback xmlns="">
       <p:transition spd="slow">
         <p:fade/>
       </p:transition>
     </mc:Fallback>
   </mc:AlternateContent>
+  <p:timing>
+    <p:tnLst>
+      <p:par>
+        <p:cTn id="1" dur="indefinite" restart="never" nodeType="tmRoot"/>
+      </p:par>
+    </p:tnLst>
+  </p:timing>
+</p:sld>
+</file>
+
+<file path=ppt/slides/slide10.xml><?xml version="1.0" encoding="utf-8"?>
+<p:sld xmlns:a="http://schemas.openxmlformats.org/drawingml/2006/main" xmlns:r="http://schemas.openxmlformats.org/officeDocument/2006/relationships" xmlns:p="http://schemas.openxmlformats.org/presentationml/2006/main">
+  <p:cSld>
+    <p:spTree>
+      <p:nvGrpSpPr>
+        <p:cNvPr id="1" name=""/>
+        <p:cNvGrpSpPr/>
+        <p:nvPr/>
+      </p:nvGrpSpPr>
+      <p:grpSpPr>
+        <a:xfrm>
+          <a:off x="0" y="0"/>
+          <a:ext cx="0" cy="0"/>
+          <a:chOff x="0" y="0"/>
+          <a:chExt cx="0" cy="0"/>
+        </a:xfrm>
+      </p:grpSpPr>
+      <p:sp>
+        <p:nvSpPr>
+          <p:cNvPr id="5" name="Espace réservé du texte 4"/>
+          <p:cNvSpPr>
+            <a:spLocks noGrp="1"/>
+          </p:cNvSpPr>
+          <p:nvPr>
+            <p:ph type="body" sz="quarter" idx="13"/>
+          </p:nvPr>
+        </p:nvSpPr>
+        <p:spPr/>
+        <p:txBody>
+          <a:bodyPr/>
+          <a:lstStyle/>
+          <a:p>
+            <a:r>
+              <a:rPr lang="fr-FR" dirty="0" smtClean="0"/>
+              <a:t>Liste des items</a:t>
+            </a:r>
+            <a:endParaRPr lang="fr-FR" dirty="0"/>
+          </a:p>
+        </p:txBody>
+      </p:sp>
+      <p:pic>
+        <p:nvPicPr>
+          <p:cNvPr id="9" name="Espace réservé du contenu 8"/>
+          <p:cNvPicPr>
+            <a:picLocks noGrp="1" noChangeAspect="1"/>
+          </p:cNvPicPr>
+          <p:nvPr>
+            <p:ph sz="half" idx="2"/>
+          </p:nvPr>
+        </p:nvPicPr>
+        <p:blipFill>
+          <a:blip r:embed="rId2">
+            <a:extLst>
+              <a:ext uri="{28A0092B-C50C-407E-A947-70E740481C1C}">
+                <a14:useLocalDpi xmlns:a14="http://schemas.microsoft.com/office/drawing/2010/main" val="0"/>
+              </a:ext>
+            </a:extLst>
+          </a:blip>
+          <a:stretch>
+            <a:fillRect/>
+          </a:stretch>
+        </p:blipFill>
+        <p:spPr>
+          <a:xfrm>
+            <a:off x="3689130" y="838132"/>
+            <a:ext cx="5330501" cy="4206834"/>
+          </a:xfrm>
+        </p:spPr>
+      </p:pic>
+      <p:sp>
+        <p:nvSpPr>
+          <p:cNvPr id="2" name="Titre 1"/>
+          <p:cNvSpPr>
+            <a:spLocks noGrp="1"/>
+          </p:cNvSpPr>
+          <p:nvPr>
+            <p:ph type="title"/>
+          </p:nvPr>
+        </p:nvSpPr>
+        <p:spPr/>
+        <p:txBody>
+          <a:bodyPr/>
+          <a:lstStyle/>
+          <a:p>
+            <a:r>
+              <a:rPr lang="fr-FR" dirty="0" smtClean="0"/>
+              <a:t>Chapitre 4</a:t>
+            </a:r>
+            <a:endParaRPr lang="fr-FR" dirty="0"/>
+          </a:p>
+        </p:txBody>
+      </p:sp>
+      <p:sp>
+        <p:nvSpPr>
+          <p:cNvPr id="7" name="Espace réservé du texte 6"/>
+          <p:cNvSpPr>
+            <a:spLocks noGrp="1"/>
+          </p:cNvSpPr>
+          <p:nvPr>
+            <p:ph type="body" sz="quarter" idx="16"/>
+          </p:nvPr>
+        </p:nvSpPr>
+        <p:spPr>
+          <a:xfrm>
+            <a:off x="314226" y="2363164"/>
+            <a:ext cx="2831629" cy="589563"/>
+          </a:xfrm>
+        </p:spPr>
+        <p:txBody>
+          <a:bodyPr>
+            <a:normAutofit fontScale="77500" lnSpcReduction="20000"/>
+          </a:bodyPr>
+          <a:lstStyle/>
+          <a:p>
+            <a:r>
+              <a:rPr lang="fr-FR" dirty="0" smtClean="0"/>
+              <a:t>Utilisation d’un bloc statique</a:t>
+            </a:r>
+            <a:endParaRPr lang="fr-FR" dirty="0"/>
+          </a:p>
+        </p:txBody>
+      </p:sp>
+    </p:spTree>
+    <p:extLst>
+      <p:ext uri="{BB962C8B-B14F-4D97-AF65-F5344CB8AC3E}">
+        <p14:creationId xmlns:p14="http://schemas.microsoft.com/office/powerpoint/2010/main" val="3121328382"/>
+      </p:ext>
+    </p:extLst>
+  </p:cSld>
+  <p:clrMapOvr>
+    <a:masterClrMapping/>
+  </p:clrMapOvr>
+  <mc:AlternateContent xmlns:mc="http://schemas.openxmlformats.org/markup-compatibility/2006" xmlns:p15="http://schemas.microsoft.com/office/powerpoint/2012/main">
+    <mc:Choice Requires="p15">
+      <p:transition xmlns:p14="http://schemas.microsoft.com/office/powerpoint/2010/main" spd="slow" p14:dur="1250">
+        <p15:prstTrans prst="airplane"/>
+      </p:transition>
+    </mc:Choice>
+    <mc:Fallback xmlns="">
+      <p:transition spd="slow">
+        <p:fade/>
+      </p:transition>
+    </mc:Fallback>
+  </mc:AlternateContent>
+  <p:timing>
+    <p:tnLst>
+      <p:par>
+        <p:cTn id="1" dur="indefinite" restart="never" nodeType="tmRoot"/>
+      </p:par>
+    </p:tnLst>
+  </p:timing>
+</p:sld>
+</file>
+
+<file path=ppt/slides/slide11.xml><?xml version="1.0" encoding="utf-8"?>
+<p:sld xmlns:a="http://schemas.openxmlformats.org/drawingml/2006/main" xmlns:r="http://schemas.openxmlformats.org/officeDocument/2006/relationships" xmlns:p="http://schemas.openxmlformats.org/presentationml/2006/main">
+  <p:cSld>
+    <p:spTree>
+      <p:nvGrpSpPr>
+        <p:cNvPr id="1" name=""/>
+        <p:cNvGrpSpPr/>
+        <p:nvPr/>
+      </p:nvGrpSpPr>
+      <p:grpSpPr>
+        <a:xfrm>
+          <a:off x="0" y="0"/>
+          <a:ext cx="0" cy="0"/>
+          <a:chOff x="0" y="0"/>
+          <a:chExt cx="0" cy="0"/>
+        </a:xfrm>
+      </p:grpSpPr>
+      <p:sp>
+        <p:nvSpPr>
+          <p:cNvPr id="2" name="Titre 1"/>
+          <p:cNvSpPr>
+            <a:spLocks noGrp="1"/>
+          </p:cNvSpPr>
+          <p:nvPr>
+            <p:ph type="title"/>
+          </p:nvPr>
+        </p:nvSpPr>
+        <p:spPr/>
+        <p:txBody>
+          <a:bodyPr>
+            <a:normAutofit/>
+          </a:bodyPr>
+          <a:lstStyle/>
+          <a:p>
+            <a:r>
+              <a:rPr lang="fr-FR" dirty="0" smtClean="0"/>
+              <a:t>Améliorations futures</a:t>
+            </a:r>
+            <a:endParaRPr lang="fr-FR" dirty="0"/>
+          </a:p>
+        </p:txBody>
+      </p:sp>
+      <p:sp>
+        <p:nvSpPr>
+          <p:cNvPr id="3" name="Sous-titre 2"/>
+          <p:cNvSpPr>
+            <a:spLocks noGrp="1"/>
+          </p:cNvSpPr>
+          <p:nvPr>
+            <p:ph type="subTitle" idx="13"/>
+          </p:nvPr>
+        </p:nvSpPr>
+        <p:spPr/>
+        <p:txBody>
+          <a:bodyPr/>
+          <a:lstStyle/>
+          <a:p>
+            <a:r>
+              <a:rPr lang="fr-FR" dirty="0" smtClean="0"/>
+              <a:t>Chapitre 5</a:t>
+            </a:r>
+            <a:endParaRPr lang="fr-FR" dirty="0"/>
+          </a:p>
+        </p:txBody>
+      </p:sp>
+    </p:spTree>
+    <p:extLst>
+      <p:ext uri="{BB962C8B-B14F-4D97-AF65-F5344CB8AC3E}">
+        <p14:creationId xmlns:p14="http://schemas.microsoft.com/office/powerpoint/2010/main" val="3833742257"/>
+      </p:ext>
+    </p:extLst>
+  </p:cSld>
+  <p:clrMapOvr>
+    <a:masterClrMapping/>
+  </p:clrMapOvr>
+  <mc:AlternateContent xmlns:mc="http://schemas.openxmlformats.org/markup-compatibility/2006" xmlns:p15="http://schemas.microsoft.com/office/powerpoint/2012/main">
+    <mc:Choice Requires="p15">
+      <p:transition xmlns:p14="http://schemas.microsoft.com/office/powerpoint/2010/main" spd="slow" p14:dur="2000">
+        <p15:prstTrans prst="fracture"/>
+      </p:transition>
+    </mc:Choice>
+    <mc:Fallback xmlns="">
+      <p:transition spd="slow">
+        <p:fade/>
+      </p:transition>
+    </mc:Fallback>
+  </mc:AlternateContent>
+  <p:timing>
+    <p:tnLst>
+      <p:par>
+        <p:cTn id="1" dur="indefinite" restart="never" nodeType="tmRoot"/>
+      </p:par>
+    </p:tnLst>
+  </p:timing>
+</p:sld>
+</file>
+
+<file path=ppt/slides/slide12.xml><?xml version="1.0" encoding="utf-8"?>
+<p:sld xmlns:a="http://schemas.openxmlformats.org/drawingml/2006/main" xmlns:r="http://schemas.openxmlformats.org/officeDocument/2006/relationships" xmlns:p="http://schemas.openxmlformats.org/presentationml/2006/main">
+  <p:cSld>
+    <p:spTree>
+      <p:nvGrpSpPr>
+        <p:cNvPr id="1" name=""/>
+        <p:cNvGrpSpPr/>
+        <p:nvPr/>
+      </p:nvGrpSpPr>
+      <p:grpSpPr>
+        <a:xfrm>
+          <a:off x="0" y="0"/>
+          <a:ext cx="0" cy="0"/>
+          <a:chOff x="0" y="0"/>
+          <a:chExt cx="0" cy="0"/>
+        </a:xfrm>
+      </p:grpSpPr>
+      <p:sp>
+        <p:nvSpPr>
+          <p:cNvPr id="4" name="Titre 3"/>
+          <p:cNvSpPr>
+            <a:spLocks noGrp="1"/>
+          </p:cNvSpPr>
+          <p:nvPr>
+            <p:ph type="title"/>
+          </p:nvPr>
+        </p:nvSpPr>
+        <p:spPr/>
+        <p:txBody>
+          <a:bodyPr/>
+          <a:lstStyle/>
+          <a:p>
+            <a:r>
+              <a:rPr lang="fr-FR" dirty="0" smtClean="0"/>
+              <a:t>Chapitre 5</a:t>
+            </a:r>
+            <a:endParaRPr lang="fr-FR" dirty="0"/>
+          </a:p>
+        </p:txBody>
+      </p:sp>
+      <p:sp>
+        <p:nvSpPr>
+          <p:cNvPr id="5" name="Espace réservé du contenu 4"/>
+          <p:cNvSpPr>
+            <a:spLocks noGrp="1"/>
+          </p:cNvSpPr>
+          <p:nvPr>
+            <p:ph idx="1"/>
+          </p:nvPr>
+        </p:nvSpPr>
+        <p:spPr/>
+        <p:txBody>
+          <a:bodyPr numCol="2"/>
+          <a:lstStyle/>
+          <a:p>
+            <a:r>
+              <a:rPr lang="fr-FR" sz="2000" dirty="0" smtClean="0"/>
+              <a:t>Jouer en équipe</a:t>
+            </a:r>
+          </a:p>
+          <a:p>
+            <a:r>
+              <a:rPr lang="fr-FR" sz="2000" dirty="0" smtClean="0"/>
+              <a:t>Enregistrer la progression</a:t>
+            </a:r>
+          </a:p>
+          <a:p>
+            <a:endParaRPr lang="fr-FR" sz="2000" dirty="0" smtClean="0"/>
+          </a:p>
+          <a:p>
+            <a:r>
+              <a:rPr lang="fr-FR" sz="2000" dirty="0" err="1" smtClean="0"/>
+              <a:t>Zefzefzef</a:t>
+            </a:r>
+            <a:endParaRPr lang="fr-FR" sz="2000" dirty="0" smtClean="0"/>
+          </a:p>
+          <a:p>
+            <a:r>
+              <a:rPr lang="fr-FR" sz="2000" dirty="0" err="1" smtClean="0"/>
+              <a:t>Zefzefzef</a:t>
+            </a:r>
+            <a:endParaRPr lang="fr-FR" sz="2000" dirty="0" smtClean="0"/>
+          </a:p>
+          <a:p>
+            <a:r>
+              <a:rPr lang="fr-FR" sz="2000" dirty="0" err="1" smtClean="0"/>
+              <a:t>Szadazdzad</a:t>
+            </a:r>
+            <a:endParaRPr lang="fr-FR" sz="2000" dirty="0" smtClean="0"/>
+          </a:p>
+          <a:p>
+            <a:r>
+              <a:rPr lang="fr-FR" sz="2000" dirty="0" err="1" smtClean="0"/>
+              <a:t>Zadazdazda</a:t>
+            </a:r>
+            <a:endParaRPr lang="fr-FR" sz="2000" dirty="0" smtClean="0"/>
+          </a:p>
+          <a:p>
+            <a:r>
+              <a:rPr lang="fr-FR" sz="2000" dirty="0" err="1" smtClean="0"/>
+              <a:t>Zdazdazdaz</a:t>
+            </a:r>
+            <a:endParaRPr lang="fr-FR" sz="2000" dirty="0" smtClean="0"/>
+          </a:p>
+          <a:p>
+            <a:r>
+              <a:rPr lang="fr-FR" sz="2000" dirty="0" err="1" smtClean="0"/>
+              <a:t>Dazdazda</a:t>
+            </a:r>
+            <a:endParaRPr lang="fr-FR" sz="2000" dirty="0" smtClean="0"/>
+          </a:p>
+          <a:p>
+            <a:r>
+              <a:rPr lang="fr-FR" sz="2000" dirty="0" err="1" smtClean="0"/>
+              <a:t>Dazdazd</a:t>
+            </a:r>
+            <a:endParaRPr lang="fr-FR" sz="2000" dirty="0" smtClean="0"/>
+          </a:p>
+          <a:p>
+            <a:r>
+              <a:rPr lang="fr-FR" sz="2000" dirty="0" err="1" smtClean="0"/>
+              <a:t>Azdzefzfz</a:t>
+            </a:r>
+            <a:endParaRPr lang="fr-FR" sz="2000" dirty="0" smtClean="0"/>
+          </a:p>
+          <a:p>
+            <a:r>
+              <a:rPr lang="fr-FR" sz="2000" dirty="0" err="1" smtClean="0"/>
+              <a:t>Zfezefze</a:t>
+            </a:r>
+            <a:endParaRPr lang="fr-FR" sz="2000" dirty="0" smtClean="0"/>
+          </a:p>
+        </p:txBody>
+      </p:sp>
+      <p:sp>
+        <p:nvSpPr>
+          <p:cNvPr id="6" name="Espace réservé du texte 5"/>
+          <p:cNvSpPr>
+            <a:spLocks noGrp="1"/>
+          </p:cNvSpPr>
+          <p:nvPr>
+            <p:ph type="body" sz="quarter" idx="13"/>
+          </p:nvPr>
+        </p:nvSpPr>
+        <p:spPr/>
+        <p:txBody>
+          <a:bodyPr/>
+          <a:lstStyle/>
+          <a:p>
+            <a:r>
+              <a:rPr lang="fr-FR" dirty="0" smtClean="0"/>
+              <a:t>Améliorations futures</a:t>
+            </a:r>
+            <a:endParaRPr lang="fr-FR" dirty="0"/>
+          </a:p>
+        </p:txBody>
+      </p:sp>
+    </p:spTree>
+    <p:extLst>
+      <p:ext uri="{BB962C8B-B14F-4D97-AF65-F5344CB8AC3E}">
+        <p14:creationId xmlns:p14="http://schemas.microsoft.com/office/powerpoint/2010/main" val="1848028617"/>
+      </p:ext>
+    </p:extLst>
+  </p:cSld>
+  <p:clrMapOvr>
+    <a:masterClrMapping/>
+  </p:clrMapOvr>
   <p:timing>
     <p:tnLst>
       <p:par>
@@ -4213,13 +4660,8 @@
           <a:p>
             <a:r>
               <a:rPr lang="fr-FR" dirty="0" smtClean="0"/>
-              <a:t>Chapitre </a:t>
-            </a:r>
-            <a:r>
-              <a:rPr lang="fr-FR" dirty="0" smtClean="0"/>
-              <a:t>1</a:t>
-            </a:r>
-            <a:endParaRPr lang="fr-FR" dirty="0" smtClean="0"/>
+              <a:t>Chapitre 1</a:t>
+            </a:r>
           </a:p>
         </p:txBody>
       </p:sp>
@@ -4233,13 +4675,13 @@
   <p:clrMapOvr>
     <a:masterClrMapping/>
   </p:clrMapOvr>
-  <mc:AlternateContent xmlns:mc="http://schemas.openxmlformats.org/markup-compatibility/2006">
-    <mc:Choice xmlns:p15="http://schemas.microsoft.com/office/powerpoint/2012/main" Requires="p15">
+  <mc:AlternateContent xmlns:mc="http://schemas.openxmlformats.org/markup-compatibility/2006" xmlns:p15="http://schemas.microsoft.com/office/powerpoint/2012/main">
+    <mc:Choice Requires="p15">
       <p:transition xmlns:p14="http://schemas.microsoft.com/office/powerpoint/2010/main" spd="slow" p14:dur="2000">
         <p15:prstTrans prst="drape"/>
       </p:transition>
     </mc:Choice>
-    <mc:Fallback>
+    <mc:Fallback xmlns="">
       <p:transition spd="slow">
         <p:fade/>
       </p:transition>
@@ -4287,6 +4729,10 @@
           <a:bodyPr/>
           <a:lstStyle/>
           <a:p>
+            <a:r>
+              <a:rPr lang="fr-FR" dirty="0" smtClean="0"/>
+              <a:t>Chapitre 1</a:t>
+            </a:r>
             <a:endParaRPr lang="fr-FR" dirty="0"/>
           </a:p>
         </p:txBody>
@@ -4330,25 +4776,35 @@
           </a:p>
         </p:txBody>
       </p:sp>
-      <p:sp>
-        <p:nvSpPr>
-          <p:cNvPr id="5" name="Espace réservé du contenu 4"/>
-          <p:cNvSpPr>
-            <a:spLocks noGrp="1"/>
-          </p:cNvSpPr>
+      <p:pic>
+        <p:nvPicPr>
+          <p:cNvPr id="9" name="Espace réservé du contenu 8"/>
+          <p:cNvPicPr>
+            <a:picLocks noGrp="1" noChangeAspect="1"/>
+          </p:cNvPicPr>
           <p:nvPr>
             <p:ph idx="1"/>
           </p:nvPr>
-        </p:nvSpPr>
-        <p:spPr/>
-        <p:txBody>
-          <a:bodyPr/>
-          <a:lstStyle/>
-          <a:p>
-            <a:endParaRPr lang="fr-FR"/>
-          </a:p>
-        </p:txBody>
-      </p:sp>
+        </p:nvPicPr>
+        <p:blipFill>
+          <a:blip r:embed="rId2">
+            <a:extLst>
+              <a:ext uri="{28A0092B-C50C-407E-A947-70E740481C1C}">
+                <a14:useLocalDpi xmlns:a14="http://schemas.microsoft.com/office/drawing/2010/main" val="0"/>
+              </a:ext>
+            </a:extLst>
+          </a:blip>
+          <a:stretch>
+            <a:fillRect/>
+          </a:stretch>
+        </p:blipFill>
+        <p:spPr>
+          <a:xfrm>
+            <a:off x="750437" y="875185"/>
+            <a:ext cx="7705418" cy="4056019"/>
+          </a:xfrm>
+        </p:spPr>
+      </p:pic>
     </p:spTree>
     <p:extLst>
       <p:ext uri="{BB962C8B-B14F-4D97-AF65-F5344CB8AC3E}">
@@ -4359,13 +4815,13 @@
   <p:clrMapOvr>
     <a:masterClrMapping/>
   </p:clrMapOvr>
-  <mc:AlternateContent xmlns:mc="http://schemas.openxmlformats.org/markup-compatibility/2006">
-    <mc:Choice xmlns:p14="http://schemas.microsoft.com/office/powerpoint/2010/main" Requires="p14">
+  <mc:AlternateContent xmlns:mc="http://schemas.openxmlformats.org/markup-compatibility/2006" xmlns:p14="http://schemas.microsoft.com/office/powerpoint/2010/main">
+    <mc:Choice Requires="p14">
       <p:transition spd="slow" p14:dur="4000">
         <p14:vortex dir="r"/>
       </p:transition>
     </mc:Choice>
-    <mc:Fallback>
+    <mc:Fallback xmlns="">
       <p:transition spd="slow">
         <p:fade/>
       </p:transition>
@@ -4410,14 +4866,12 @@
         </p:nvSpPr>
         <p:spPr/>
         <p:txBody>
-          <a:bodyPr>
-            <a:normAutofit/>
-          </a:bodyPr>
+          <a:bodyPr/>
           <a:lstStyle/>
           <a:p>
             <a:r>
               <a:rPr lang="fr-FR" dirty="0" smtClean="0"/>
-              <a:t>Création d’un éditeur</a:t>
+              <a:t>Chapitre 1</a:t>
             </a:r>
             <a:endParaRPr lang="fr-FR" dirty="0"/>
           </a:p>
@@ -4425,40 +4879,76 @@
       </p:sp>
       <p:sp>
         <p:nvSpPr>
-          <p:cNvPr id="3" name="Sous-titre 2"/>
-          <p:cNvSpPr>
-            <a:spLocks noGrp="1"/>
-          </p:cNvSpPr>
-          <p:nvPr>
-            <p:ph type="subTitle" idx="13"/>
-          </p:nvPr>
-        </p:nvSpPr>
+          <p:cNvPr id="4" name="Espace réservé du texte 3"/>
+          <p:cNvSpPr>
+            <a:spLocks noGrp="1"/>
+          </p:cNvSpPr>
+          <p:nvPr>
+            <p:ph type="body" sz="quarter" idx="13"/>
+          </p:nvPr>
+        </p:nvSpPr>
+        <p:spPr/>
+        <p:txBody>
+          <a:bodyPr/>
+          <a:lstStyle/>
+          <a:p>
+            <a:r>
+              <a:rPr lang="fr-FR" b="1" dirty="0" err="1"/>
+              <a:t>Unified</a:t>
+            </a:r>
+            <a:r>
+              <a:rPr lang="fr-FR" b="1" dirty="0"/>
+              <a:t> </a:t>
+            </a:r>
+            <a:r>
+              <a:rPr lang="fr-FR" b="1" dirty="0" err="1"/>
+              <a:t>Modeling</a:t>
+            </a:r>
+            <a:r>
+              <a:rPr lang="fr-FR" b="1" dirty="0"/>
+              <a:t> </a:t>
+            </a:r>
+            <a:r>
+              <a:rPr lang="fr-FR" b="1" dirty="0" err="1"/>
+              <a:t>Language</a:t>
+            </a:r>
+            <a:endParaRPr lang="fr-FR" dirty="0"/>
+          </a:p>
+        </p:txBody>
+      </p:sp>
+      <p:pic>
+        <p:nvPicPr>
+          <p:cNvPr id="3" name="Espace réservé du contenu 2"/>
+          <p:cNvPicPr>
+            <a:picLocks noGrp="1" noChangeAspect="1"/>
+          </p:cNvPicPr>
+          <p:nvPr>
+            <p:ph idx="1"/>
+          </p:nvPr>
+        </p:nvPicPr>
+        <p:blipFill>
+          <a:blip r:embed="rId2">
+            <a:extLst>
+              <a:ext uri="{28A0092B-C50C-407E-A947-70E740481C1C}">
+                <a14:useLocalDpi xmlns:a14="http://schemas.microsoft.com/office/drawing/2010/main" val="0"/>
+              </a:ext>
+            </a:extLst>
+          </a:blip>
+          <a:stretch>
+            <a:fillRect/>
+          </a:stretch>
+        </p:blipFill>
         <p:spPr>
           <a:xfrm>
-            <a:off x="3358120" y="1027282"/>
-            <a:ext cx="3188535" cy="400110"/>
+            <a:off x="835866" y="933319"/>
+            <a:ext cx="7391697" cy="4041884"/>
           </a:xfrm>
         </p:spPr>
-        <p:txBody>
-          <a:bodyPr/>
-          <a:lstStyle/>
-          <a:p>
-            <a:r>
-              <a:rPr lang="fr-FR" dirty="0" smtClean="0"/>
-              <a:t>Chapitre </a:t>
-            </a:r>
-            <a:r>
-              <a:rPr lang="fr-FR" dirty="0" smtClean="0"/>
-              <a:t>2</a:t>
-            </a:r>
-            <a:endParaRPr lang="fr-FR" dirty="0" smtClean="0"/>
-          </a:p>
-        </p:txBody>
-      </p:sp>
+      </p:pic>
     </p:spTree>
     <p:extLst>
       <p:ext uri="{BB962C8B-B14F-4D97-AF65-F5344CB8AC3E}">
-        <p14:creationId xmlns:p14="http://schemas.microsoft.com/office/powerpoint/2010/main" val="4079372471"/>
+        <p14:creationId xmlns:p14="http://schemas.microsoft.com/office/powerpoint/2010/main" val="1842622006"/>
       </p:ext>
     </p:extLst>
   </p:cSld>
@@ -4466,9 +4956,9 @@
     <a:masterClrMapping/>
   </p:clrMapOvr>
   <mc:AlternateContent xmlns:mc="http://schemas.openxmlformats.org/markup-compatibility/2006">
-    <mc:Choice xmlns:p15="http://schemas.microsoft.com/office/powerpoint/2012/main" Requires="p15">
-      <p:transition xmlns:p14="http://schemas.microsoft.com/office/powerpoint/2010/main" spd="slow" p14:dur="6000">
-        <p15:prstTrans prst="curtains"/>
+    <mc:Choice xmlns:p14="http://schemas.microsoft.com/office/powerpoint/2010/main" Requires="p14">
+      <p:transition spd="slow" p14:dur="800">
+        <p14:flythrough/>
       </p:transition>
     </mc:Choice>
     <mc:Fallback>
@@ -4516,6 +5006,36 @@
         </p:nvSpPr>
         <p:spPr/>
         <p:txBody>
+          <a:bodyPr>
+            <a:normAutofit/>
+          </a:bodyPr>
+          <a:lstStyle/>
+          <a:p>
+            <a:r>
+              <a:rPr lang="fr-FR" dirty="0" smtClean="0"/>
+              <a:t>Création d’un éditeur</a:t>
+            </a:r>
+            <a:endParaRPr lang="fr-FR" dirty="0"/>
+          </a:p>
+        </p:txBody>
+      </p:sp>
+      <p:sp>
+        <p:nvSpPr>
+          <p:cNvPr id="3" name="Sous-titre 2"/>
+          <p:cNvSpPr>
+            <a:spLocks noGrp="1"/>
+          </p:cNvSpPr>
+          <p:nvPr>
+            <p:ph type="subTitle" idx="13"/>
+          </p:nvPr>
+        </p:nvSpPr>
+        <p:spPr>
+          <a:xfrm>
+            <a:off x="3358120" y="1027282"/>
+            <a:ext cx="3188535" cy="400110"/>
+          </a:xfrm>
+        </p:spPr>
+        <p:txBody>
           <a:bodyPr/>
           <a:lstStyle/>
           <a:p>
@@ -4523,167 +5043,26 @@
               <a:rPr lang="fr-FR" dirty="0" smtClean="0"/>
               <a:t>Chapitre 2</a:t>
             </a:r>
-            <a:br>
-              <a:rPr lang="fr-FR" dirty="0" smtClean="0"/>
-            </a:br>
-            <a:endParaRPr lang="fr-FR" dirty="0"/>
-          </a:p>
-        </p:txBody>
-      </p:sp>
-      <p:sp>
-        <p:nvSpPr>
-          <p:cNvPr id="4" name="Espace réservé du texte 3"/>
-          <p:cNvSpPr>
-            <a:spLocks noGrp="1"/>
-          </p:cNvSpPr>
-          <p:nvPr>
-            <p:ph type="body" sz="quarter" idx="13"/>
-          </p:nvPr>
-        </p:nvSpPr>
-        <p:spPr/>
-        <p:txBody>
-          <a:bodyPr/>
-          <a:lstStyle/>
-          <a:p>
-            <a:r>
-              <a:rPr lang="fr-FR" dirty="0" smtClean="0"/>
-              <a:t>Création d’un éditeur</a:t>
-            </a:r>
-            <a:endParaRPr lang="fr-FR" dirty="0"/>
-          </a:p>
-        </p:txBody>
-      </p:sp>
-      <p:pic>
-        <p:nvPicPr>
-          <p:cNvPr id="7" name="Espace réservé du contenu 6"/>
-          <p:cNvPicPr>
-            <a:picLocks noGrp="1" noChangeAspect="1"/>
-          </p:cNvPicPr>
-          <p:nvPr>
-            <p:ph idx="1"/>
-          </p:nvPr>
-        </p:nvPicPr>
-        <p:blipFill>
-          <a:blip r:embed="rId2">
-            <a:extLst>
-              <a:ext uri="{28A0092B-C50C-407E-A947-70E740481C1C}">
-                <a14:useLocalDpi xmlns:a14="http://schemas.microsoft.com/office/drawing/2010/main" val="0"/>
-              </a:ext>
-            </a:extLst>
-          </a:blip>
-          <a:stretch>
-            <a:fillRect/>
-          </a:stretch>
-        </p:blipFill>
-        <p:spPr>
-          <a:xfrm>
-            <a:off x="4672836" y="1201168"/>
-            <a:ext cx="4219647" cy="3395662"/>
-          </a:xfrm>
-        </p:spPr>
-      </p:pic>
-      <p:sp>
-        <p:nvSpPr>
-          <p:cNvPr id="3" name="ZoneTexte 2"/>
-          <p:cNvSpPr txBox="1"/>
-          <p:nvPr/>
-        </p:nvSpPr>
-        <p:spPr>
-          <a:xfrm>
-            <a:off x="968980" y="2330841"/>
-            <a:ext cx="2799164" cy="892552"/>
-          </a:xfrm>
-          <a:prstGeom prst="rect">
-            <a:avLst/>
-          </a:prstGeom>
-          <a:noFill/>
-          <a:ln>
-            <a:noFill/>
-          </a:ln>
-        </p:spPr>
-        <p:style>
-          <a:lnRef idx="2">
-            <a:schemeClr val="accent6"/>
-          </a:lnRef>
-          <a:fillRef idx="1">
-            <a:schemeClr val="lt1"/>
-          </a:fillRef>
-          <a:effectRef idx="0">
-            <a:schemeClr val="accent6"/>
-          </a:effectRef>
-          <a:fontRef idx="minor">
-            <a:schemeClr val="dk1"/>
-          </a:fontRef>
-        </p:style>
-        <p:txBody>
-          <a:bodyPr wrap="none" rtlCol="0">
-            <a:spAutoFit/>
-          </a:bodyPr>
-          <a:lstStyle/>
-          <a:p>
-            <a:r>
-              <a:rPr lang="fr-FR" sz="2600" dirty="0" smtClean="0">
-                <a:solidFill>
-                  <a:srgbClr val="123A61"/>
-                </a:solidFill>
-                <a:latin typeface="Segoe UI Black" panose="020B0A02040204020203" pitchFamily="34" charset="0"/>
-                <a:ea typeface="Segoe UI Black" panose="020B0A02040204020203" pitchFamily="34" charset="0"/>
-                <a:cs typeface="Segoe UI Black" panose="020B0A02040204020203" pitchFamily="34" charset="0"/>
-              </a:rPr>
-              <a:t>Sérialisation de </a:t>
-            </a:r>
-          </a:p>
-          <a:p>
-            <a:r>
-              <a:rPr lang="fr-FR" sz="2600" dirty="0">
-                <a:solidFill>
-                  <a:srgbClr val="123A61"/>
-                </a:solidFill>
-                <a:latin typeface="Segoe UI Black" panose="020B0A02040204020203" pitchFamily="34" charset="0"/>
-                <a:ea typeface="Segoe UI Black" panose="020B0A02040204020203" pitchFamily="34" charset="0"/>
-                <a:cs typeface="Segoe UI Black" panose="020B0A02040204020203" pitchFamily="34" charset="0"/>
-              </a:rPr>
-              <a:t>	</a:t>
-            </a:r>
-            <a:r>
-              <a:rPr lang="fr-FR" sz="2600" dirty="0" smtClean="0">
-                <a:solidFill>
-                  <a:srgbClr val="123A61"/>
-                </a:solidFill>
-                <a:latin typeface="Segoe UI Black" panose="020B0A02040204020203" pitchFamily="34" charset="0"/>
-                <a:ea typeface="Segoe UI Black" panose="020B0A02040204020203" pitchFamily="34" charset="0"/>
-                <a:cs typeface="Segoe UI Black" panose="020B0A02040204020203" pitchFamily="34" charset="0"/>
-              </a:rPr>
-              <a:t>l’histoire</a:t>
-            </a:r>
-            <a:endParaRPr lang="fr-FR" sz="2600" dirty="0">
-              <a:solidFill>
-                <a:srgbClr val="123A61"/>
-              </a:solidFill>
-              <a:latin typeface="Segoe UI Black" panose="020B0A02040204020203" pitchFamily="34" charset="0"/>
-              <a:ea typeface="Segoe UI Black" panose="020B0A02040204020203" pitchFamily="34" charset="0"/>
-              <a:cs typeface="Segoe UI Black" panose="020B0A02040204020203" pitchFamily="34" charset="0"/>
-            </a:endParaRPr>
           </a:p>
         </p:txBody>
       </p:sp>
     </p:spTree>
     <p:extLst>
       <p:ext uri="{BB962C8B-B14F-4D97-AF65-F5344CB8AC3E}">
-        <p14:creationId xmlns:p14="http://schemas.microsoft.com/office/powerpoint/2010/main" val="285527331"/>
+        <p14:creationId xmlns:p14="http://schemas.microsoft.com/office/powerpoint/2010/main" val="4079372471"/>
       </p:ext>
     </p:extLst>
   </p:cSld>
   <p:clrMapOvr>
     <a:masterClrMapping/>
   </p:clrMapOvr>
-  <mc:AlternateContent xmlns:mc="http://schemas.openxmlformats.org/markup-compatibility/2006">
-    <mc:Choice xmlns:p15="http://schemas.microsoft.com/office/powerpoint/2012/main" Requires="p15">
-      <p:transition xmlns:p14="http://schemas.microsoft.com/office/powerpoint/2010/main" spd="slow" p14:dur="3250">
-        <p15:prstTrans prst="origami"/>
+  <mc:AlternateContent xmlns:mc="http://schemas.openxmlformats.org/markup-compatibility/2006" xmlns:p15="http://schemas.microsoft.com/office/powerpoint/2012/main">
+    <mc:Choice Requires="p15">
+      <p:transition xmlns:p14="http://schemas.microsoft.com/office/powerpoint/2010/main" spd="slow" p14:dur="6000">
+        <p15:prstTrans prst="curtains"/>
       </p:transition>
     </mc:Choice>
-    <mc:Fallback>
+    <mc:Fallback xmlns="">
       <p:transition spd="slow">
         <p:fade/>
       </p:transition>
@@ -4733,20 +5112,23 @@
           <a:p>
             <a:r>
               <a:rPr lang="fr-FR" dirty="0" smtClean="0"/>
-              <a:t>Création des menus</a:t>
-            </a:r>
+              <a:t>Chapitre 2</a:t>
+            </a:r>
+            <a:br>
+              <a:rPr lang="fr-FR" dirty="0" smtClean="0"/>
+            </a:br>
             <a:endParaRPr lang="fr-FR" dirty="0"/>
           </a:p>
         </p:txBody>
       </p:sp>
       <p:sp>
         <p:nvSpPr>
-          <p:cNvPr id="3" name="Sous-titre 2"/>
-          <p:cNvSpPr>
-            <a:spLocks noGrp="1"/>
-          </p:cNvSpPr>
-          <p:nvPr>
-            <p:ph type="subTitle" idx="13"/>
+          <p:cNvPr id="4" name="Espace réservé du texte 3"/>
+          <p:cNvSpPr>
+            <a:spLocks noGrp="1"/>
+          </p:cNvSpPr>
+          <p:nvPr>
+            <p:ph type="body" sz="quarter" idx="13"/>
           </p:nvPr>
         </p:nvSpPr>
         <p:spPr/>
@@ -4756,33 +5138,143 @@
           <a:p>
             <a:r>
               <a:rPr lang="fr-FR" dirty="0" smtClean="0"/>
-              <a:t>Chapitre </a:t>
-            </a:r>
-            <a:r>
-              <a:rPr lang="fr-FR" dirty="0" smtClean="0"/>
-              <a:t>3</a:t>
+              <a:t>Création d’un éditeur</a:t>
             </a:r>
             <a:endParaRPr lang="fr-FR" dirty="0"/>
+          </a:p>
+        </p:txBody>
+      </p:sp>
+      <p:pic>
+        <p:nvPicPr>
+          <p:cNvPr id="7" name="Espace réservé du contenu 6"/>
+          <p:cNvPicPr>
+            <a:picLocks noGrp="1" noChangeAspect="1"/>
+          </p:cNvPicPr>
+          <p:nvPr>
+            <p:ph idx="1"/>
+          </p:nvPr>
+        </p:nvPicPr>
+        <p:blipFill>
+          <a:blip r:embed="rId2">
+            <a:extLst>
+              <a:ext uri="{28A0092B-C50C-407E-A947-70E740481C1C}">
+                <a14:useLocalDpi xmlns:a14="http://schemas.microsoft.com/office/drawing/2010/main" val="0"/>
+              </a:ext>
+            </a:extLst>
+          </a:blip>
+          <a:stretch>
+            <a:fillRect/>
+          </a:stretch>
+        </p:blipFill>
+        <p:spPr>
+          <a:xfrm>
+            <a:off x="4672836" y="1201168"/>
+            <a:ext cx="4219647" cy="3395662"/>
+          </a:xfrm>
+        </p:spPr>
+      </p:pic>
+      <p:sp>
+        <p:nvSpPr>
+          <p:cNvPr id="3" name="ZoneTexte 2"/>
+          <p:cNvSpPr txBox="1"/>
+          <p:nvPr/>
+        </p:nvSpPr>
+        <p:spPr>
+          <a:xfrm>
+            <a:off x="968980" y="2330841"/>
+            <a:ext cx="2799164" cy="892552"/>
+          </a:xfrm>
+          <a:prstGeom prst="rect">
+            <a:avLst/>
+          </a:prstGeom>
+          <a:noFill/>
+          <a:ln>
+            <a:noFill/>
+          </a:ln>
+        </p:spPr>
+        <p:style>
+          <a:lnRef idx="2">
+            <a:schemeClr val="accent6"/>
+          </a:lnRef>
+          <a:fillRef idx="1">
+            <a:schemeClr val="lt1"/>
+          </a:fillRef>
+          <a:effectRef idx="0">
+            <a:schemeClr val="accent6"/>
+          </a:effectRef>
+          <a:fontRef idx="minor">
+            <a:schemeClr val="dk1"/>
+          </a:fontRef>
+        </p:style>
+        <p:txBody>
+          <a:bodyPr wrap="none" rtlCol="0">
+            <a:spAutoFit/>
+          </a:bodyPr>
+          <a:lstStyle/>
+          <a:p>
+            <a:r>
+              <a:rPr lang="fr-FR" sz="2600" dirty="0" smtClean="0">
+                <a:solidFill>
+                  <a:srgbClr val="123A61"/>
+                </a:solidFill>
+                <a:latin typeface="Segoe UI Black" panose="020B0A02040204020203" pitchFamily="34" charset="0"/>
+                <a:ea typeface="Segoe UI Black" panose="020B0A02040204020203" pitchFamily="34" charset="0"/>
+                <a:cs typeface="Segoe UI Black" panose="020B0A02040204020203" pitchFamily="34" charset="0"/>
+              </a:rPr>
+              <a:t>Sérialisation de </a:t>
+            </a:r>
+          </a:p>
+          <a:p>
+            <a:r>
+              <a:rPr lang="fr-FR" sz="2600" dirty="0">
+                <a:solidFill>
+                  <a:srgbClr val="123A61"/>
+                </a:solidFill>
+                <a:latin typeface="Segoe UI Black" panose="020B0A02040204020203" pitchFamily="34" charset="0"/>
+                <a:ea typeface="Segoe UI Black" panose="020B0A02040204020203" pitchFamily="34" charset="0"/>
+                <a:cs typeface="Segoe UI Black" panose="020B0A02040204020203" pitchFamily="34" charset="0"/>
+              </a:rPr>
+              <a:t>	</a:t>
+            </a:r>
+            <a:r>
+              <a:rPr lang="fr-FR" sz="2600" dirty="0" smtClean="0">
+                <a:solidFill>
+                  <a:srgbClr val="123A61"/>
+                </a:solidFill>
+                <a:latin typeface="Segoe UI Black" panose="020B0A02040204020203" pitchFamily="34" charset="0"/>
+                <a:ea typeface="Segoe UI Black" panose="020B0A02040204020203" pitchFamily="34" charset="0"/>
+                <a:cs typeface="Segoe UI Black" panose="020B0A02040204020203" pitchFamily="34" charset="0"/>
+              </a:rPr>
+              <a:t>l’histoire</a:t>
+            </a:r>
+            <a:endParaRPr lang="fr-FR" sz="2600" dirty="0">
+              <a:solidFill>
+                <a:srgbClr val="123A61"/>
+              </a:solidFill>
+              <a:latin typeface="Segoe UI Black" panose="020B0A02040204020203" pitchFamily="34" charset="0"/>
+              <a:ea typeface="Segoe UI Black" panose="020B0A02040204020203" pitchFamily="34" charset="0"/>
+              <a:cs typeface="Segoe UI Black" panose="020B0A02040204020203" pitchFamily="34" charset="0"/>
+            </a:endParaRPr>
           </a:p>
         </p:txBody>
       </p:sp>
     </p:spTree>
     <p:extLst>
       <p:ext uri="{BB962C8B-B14F-4D97-AF65-F5344CB8AC3E}">
-        <p14:creationId xmlns:p14="http://schemas.microsoft.com/office/powerpoint/2010/main" val="4017012175"/>
+        <p14:creationId xmlns:p14="http://schemas.microsoft.com/office/powerpoint/2010/main" val="285527331"/>
       </p:ext>
     </p:extLst>
   </p:cSld>
   <p:clrMapOvr>
     <a:masterClrMapping/>
   </p:clrMapOvr>
-  <mc:AlternateContent xmlns:mc="http://schemas.openxmlformats.org/markup-compatibility/2006">
-    <mc:Choice xmlns:p15="http://schemas.microsoft.com/office/powerpoint/2012/main" Requires="p15">
-      <p:transition xmlns:p14="http://schemas.microsoft.com/office/powerpoint/2010/main" spd="slow" p14:dur="2000">
-        <p15:prstTrans prst="wind"/>
+  <mc:AlternateContent xmlns:mc="http://schemas.openxmlformats.org/markup-compatibility/2006" xmlns:p15="http://schemas.microsoft.com/office/powerpoint/2012/main">
+    <mc:Choice Requires="p15">
+      <p:transition xmlns:p14="http://schemas.microsoft.com/office/powerpoint/2010/main" spd="slow" p14:dur="3250">
+        <p15:prstTrans prst="origami"/>
       </p:transition>
     </mc:Choice>
-    <mc:Fallback>
+    <mc:Fallback xmlns="">
       <p:transition spd="slow">
         <p:fade/>
       </p:transition>
@@ -4817,12 +5309,12 @@
       </p:grpSpPr>
       <p:sp>
         <p:nvSpPr>
-          <p:cNvPr id="5" name="Espace réservé du texte 4"/>
-          <p:cNvSpPr>
-            <a:spLocks noGrp="1"/>
-          </p:cNvSpPr>
-          <p:nvPr>
-            <p:ph type="body" sz="quarter" idx="13"/>
+          <p:cNvPr id="2" name="Titre 1"/>
+          <p:cNvSpPr>
+            <a:spLocks noGrp="1"/>
+          </p:cNvSpPr>
+          <p:nvPr>
+            <p:ph type="title"/>
           </p:nvPr>
         </p:nvSpPr>
         <p:spPr/>
@@ -4838,43 +5330,14 @@
           </a:p>
         </p:txBody>
       </p:sp>
-      <p:pic>
-        <p:nvPicPr>
-          <p:cNvPr id="9" name="Espace réservé du contenu 8"/>
-          <p:cNvPicPr>
-            <a:picLocks noGrp="1" noChangeAspect="1"/>
-          </p:cNvPicPr>
-          <p:nvPr>
-            <p:ph sz="half" idx="2"/>
-          </p:nvPr>
-        </p:nvPicPr>
-        <p:blipFill>
-          <a:blip r:embed="rId2">
-            <a:extLst>
-              <a:ext uri="{28A0092B-C50C-407E-A947-70E740481C1C}">
-                <a14:useLocalDpi xmlns:a14="http://schemas.microsoft.com/office/drawing/2010/main" val="0"/>
-              </a:ext>
-            </a:extLst>
-          </a:blip>
-          <a:stretch>
-            <a:fillRect/>
-          </a:stretch>
-        </p:blipFill>
-        <p:spPr>
-          <a:xfrm>
-            <a:off x="3689130" y="838132"/>
-            <a:ext cx="5330501" cy="4206834"/>
-          </a:xfrm>
-        </p:spPr>
-      </p:pic>
-      <p:sp>
-        <p:nvSpPr>
-          <p:cNvPr id="2" name="Titre 1"/>
-          <p:cNvSpPr>
-            <a:spLocks noGrp="1"/>
-          </p:cNvSpPr>
-          <p:nvPr>
-            <p:ph type="title"/>
+      <p:sp>
+        <p:nvSpPr>
+          <p:cNvPr id="3" name="Sous-titre 2"/>
+          <p:cNvSpPr>
+            <a:spLocks noGrp="1"/>
+          </p:cNvSpPr>
+          <p:nvPr>
+            <p:ph type="subTitle" idx="13"/>
           </p:nvPr>
         </p:nvSpPr>
         <p:spPr/>
@@ -4885,37 +5348,6 @@
             <a:r>
               <a:rPr lang="fr-FR" dirty="0" smtClean="0"/>
               <a:t>Chapitre 3</a:t>
-            </a:r>
-            <a:br>
-              <a:rPr lang="fr-FR" dirty="0" smtClean="0"/>
-            </a:br>
-            <a:endParaRPr lang="fr-FR" dirty="0"/>
-          </a:p>
-        </p:txBody>
-      </p:sp>
-      <p:sp>
-        <p:nvSpPr>
-          <p:cNvPr id="7" name="Espace réservé du texte 6"/>
-          <p:cNvSpPr>
-            <a:spLocks noGrp="1"/>
-          </p:cNvSpPr>
-          <p:nvPr>
-            <p:ph type="body" sz="quarter" idx="16"/>
-          </p:nvPr>
-        </p:nvSpPr>
-        <p:spPr>
-          <a:xfrm>
-            <a:off x="314226" y="2363164"/>
-            <a:ext cx="2831629" cy="589563"/>
-          </a:xfrm>
-        </p:spPr>
-        <p:txBody>
-          <a:bodyPr/>
-          <a:lstStyle/>
-          <a:p>
-            <a:r>
-              <a:rPr lang="fr-FR" dirty="0" smtClean="0"/>
-              <a:t>Exemple</a:t>
             </a:r>
             <a:endParaRPr lang="fr-FR" dirty="0"/>
           </a:p>
@@ -4924,20 +5356,20 @@
     </p:spTree>
     <p:extLst>
       <p:ext uri="{BB962C8B-B14F-4D97-AF65-F5344CB8AC3E}">
-        <p14:creationId xmlns:p14="http://schemas.microsoft.com/office/powerpoint/2010/main" val="1554283246"/>
+        <p14:creationId xmlns:p14="http://schemas.microsoft.com/office/powerpoint/2010/main" val="4017012175"/>
       </p:ext>
     </p:extLst>
   </p:cSld>
   <p:clrMapOvr>
     <a:masterClrMapping/>
   </p:clrMapOvr>
-  <mc:AlternateContent xmlns:mc="http://schemas.openxmlformats.org/markup-compatibility/2006">
-    <mc:Choice xmlns:p14="http://schemas.microsoft.com/office/powerpoint/2010/main" Requires="p14">
-      <p:transition spd="slow" p14:dur="1400">
-        <p14:ripple/>
+  <mc:AlternateContent xmlns:mc="http://schemas.openxmlformats.org/markup-compatibility/2006" xmlns:p15="http://schemas.microsoft.com/office/powerpoint/2012/main">
+    <mc:Choice Requires="p15">
+      <p:transition xmlns:p14="http://schemas.microsoft.com/office/powerpoint/2010/main" spd="slow" p14:dur="2000">
+        <p15:prstTrans prst="wind"/>
       </p:transition>
     </mc:Choice>
-    <mc:Fallback>
+    <mc:Fallback xmlns="">
       <p:transition spd="slow">
         <p:fade/>
       </p:transition>
@@ -4972,12 +5404,12 @@
       </p:grpSpPr>
       <p:sp>
         <p:nvSpPr>
-          <p:cNvPr id="2" name="Titre 1"/>
-          <p:cNvSpPr>
-            <a:spLocks noGrp="1"/>
-          </p:cNvSpPr>
-          <p:nvPr>
-            <p:ph type="title"/>
+          <p:cNvPr id="5" name="Espace réservé du texte 4"/>
+          <p:cNvSpPr>
+            <a:spLocks noGrp="1"/>
+          </p:cNvSpPr>
+          <p:nvPr>
+            <p:ph type="body" sz="quarter" idx="13"/>
           </p:nvPr>
         </p:nvSpPr>
         <p:spPr/>
@@ -4987,7 +5419,7 @@
           <a:p>
             <a:r>
               <a:rPr lang="fr-FR" dirty="0" smtClean="0"/>
-              <a:t>Liste des items</a:t>
+              <a:t>Création des menus</a:t>
             </a:r>
             <a:endParaRPr lang="fr-FR" dirty="0"/>
           </a:p>
@@ -4995,12 +5427,12 @@
       </p:sp>
       <p:sp>
         <p:nvSpPr>
-          <p:cNvPr id="3" name="Sous-titre 2"/>
-          <p:cNvSpPr>
-            <a:spLocks noGrp="1"/>
-          </p:cNvSpPr>
-          <p:nvPr>
-            <p:ph type="subTitle" idx="13"/>
+          <p:cNvPr id="2" name="Titre 1"/>
+          <p:cNvSpPr>
+            <a:spLocks noGrp="1"/>
+          </p:cNvSpPr>
+          <p:nvPr>
+            <p:ph type="title"/>
           </p:nvPr>
         </p:nvSpPr>
         <p:spPr/>
@@ -5010,33 +5442,91 @@
           <a:p>
             <a:r>
               <a:rPr lang="fr-FR" dirty="0" smtClean="0"/>
-              <a:t>Chapitre </a:t>
-            </a:r>
-            <a:r>
+              <a:t>Chapitre 3</a:t>
+            </a:r>
+            <a:br>
               <a:rPr lang="fr-FR" dirty="0" smtClean="0"/>
-              <a:t>4</a:t>
-            </a:r>
+            </a:br>
             <a:endParaRPr lang="fr-FR" dirty="0"/>
           </a:p>
         </p:txBody>
       </p:sp>
+      <p:sp>
+        <p:nvSpPr>
+          <p:cNvPr id="7" name="Espace réservé du texte 6"/>
+          <p:cNvSpPr>
+            <a:spLocks noGrp="1"/>
+          </p:cNvSpPr>
+          <p:nvPr>
+            <p:ph type="body" sz="quarter" idx="16"/>
+          </p:nvPr>
+        </p:nvSpPr>
+        <p:spPr>
+          <a:xfrm>
+            <a:off x="314226" y="2099256"/>
+            <a:ext cx="2831629" cy="998113"/>
+          </a:xfrm>
+        </p:spPr>
+        <p:txBody>
+          <a:bodyPr>
+            <a:normAutofit/>
+          </a:bodyPr>
+          <a:lstStyle/>
+          <a:p>
+            <a:r>
+              <a:rPr lang="fr-FR" dirty="0" smtClean="0"/>
+              <a:t>Exemple d’une classe</a:t>
+            </a:r>
+            <a:endParaRPr lang="fr-FR" dirty="0"/>
+          </a:p>
+        </p:txBody>
+      </p:sp>
+      <p:pic>
+        <p:nvPicPr>
+          <p:cNvPr id="4" name="Espace réservé du contenu 3"/>
+          <p:cNvPicPr>
+            <a:picLocks noGrp="1" noChangeAspect="1"/>
+          </p:cNvPicPr>
+          <p:nvPr>
+            <p:ph sz="half" idx="2"/>
+          </p:nvPr>
+        </p:nvPicPr>
+        <p:blipFill>
+          <a:blip r:embed="rId2">
+            <a:extLst>
+              <a:ext uri="{28A0092B-C50C-407E-A947-70E740481C1C}">
+                <a14:useLocalDpi xmlns:a14="http://schemas.microsoft.com/office/drawing/2010/main" val="0"/>
+              </a:ext>
+            </a:extLst>
+          </a:blip>
+          <a:stretch>
+            <a:fillRect/>
+          </a:stretch>
+        </p:blipFill>
+        <p:spPr>
+          <a:xfrm>
+            <a:off x="3664039" y="817085"/>
+            <a:ext cx="5368585" cy="4208741"/>
+          </a:xfrm>
+        </p:spPr>
+      </p:pic>
     </p:spTree>
     <p:extLst>
       <p:ext uri="{BB962C8B-B14F-4D97-AF65-F5344CB8AC3E}">
-        <p14:creationId xmlns:p14="http://schemas.microsoft.com/office/powerpoint/2010/main" val="2969424450"/>
+        <p14:creationId xmlns:p14="http://schemas.microsoft.com/office/powerpoint/2010/main" val="1554283246"/>
       </p:ext>
     </p:extLst>
   </p:cSld>
   <p:clrMapOvr>
     <a:masterClrMapping/>
   </p:clrMapOvr>
-  <mc:AlternateContent xmlns:mc="http://schemas.openxmlformats.org/markup-compatibility/2006">
-    <mc:Choice xmlns:p15="http://schemas.microsoft.com/office/powerpoint/2012/main" Requires="p15">
-      <p:transition xmlns:p14="http://schemas.microsoft.com/office/powerpoint/2010/main" spd="slow" p14:dur="2000">
-        <p15:prstTrans prst="fracture"/>
+  <mc:AlternateContent xmlns:mc="http://schemas.openxmlformats.org/markup-compatibility/2006" xmlns:p14="http://schemas.microsoft.com/office/powerpoint/2010/main">
+    <mc:Choice Requires="p14">
+      <p:transition spd="slow" p14:dur="1400">
+        <p14:ripple/>
       </p:transition>
     </mc:Choice>
-    <mc:Fallback>
+    <mc:Fallback xmlns="">
       <p:transition spd="slow">
         <p:fade/>
       </p:transition>
@@ -5071,12 +5561,12 @@
       </p:grpSpPr>
       <p:sp>
         <p:nvSpPr>
-          <p:cNvPr id="5" name="Espace réservé du texte 4"/>
-          <p:cNvSpPr>
-            <a:spLocks noGrp="1"/>
-          </p:cNvSpPr>
-          <p:nvPr>
-            <p:ph type="body" sz="quarter" idx="13"/>
+          <p:cNvPr id="2" name="Titre 1"/>
+          <p:cNvSpPr>
+            <a:spLocks noGrp="1"/>
+          </p:cNvSpPr>
+          <p:nvPr>
+            <p:ph type="title"/>
           </p:nvPr>
         </p:nvSpPr>
         <p:spPr/>
@@ -5092,43 +5582,14 @@
           </a:p>
         </p:txBody>
       </p:sp>
-      <p:pic>
-        <p:nvPicPr>
-          <p:cNvPr id="9" name="Espace réservé du contenu 8"/>
-          <p:cNvPicPr>
-            <a:picLocks noGrp="1" noChangeAspect="1"/>
-          </p:cNvPicPr>
-          <p:nvPr>
-            <p:ph sz="half" idx="2"/>
-          </p:nvPr>
-        </p:nvPicPr>
-        <p:blipFill>
-          <a:blip r:embed="rId2">
-            <a:extLst>
-              <a:ext uri="{28A0092B-C50C-407E-A947-70E740481C1C}">
-                <a14:useLocalDpi xmlns:a14="http://schemas.microsoft.com/office/drawing/2010/main" val="0"/>
-              </a:ext>
-            </a:extLst>
-          </a:blip>
-          <a:stretch>
-            <a:fillRect/>
-          </a:stretch>
-        </p:blipFill>
-        <p:spPr>
-          <a:xfrm>
-            <a:off x="3689130" y="838132"/>
-            <a:ext cx="5330501" cy="4206834"/>
-          </a:xfrm>
-        </p:spPr>
-      </p:pic>
-      <p:sp>
-        <p:nvSpPr>
-          <p:cNvPr id="2" name="Titre 1"/>
-          <p:cNvSpPr>
-            <a:spLocks noGrp="1"/>
-          </p:cNvSpPr>
-          <p:nvPr>
-            <p:ph type="title"/>
+      <p:sp>
+        <p:nvSpPr>
+          <p:cNvPr id="3" name="Sous-titre 2"/>
+          <p:cNvSpPr>
+            <a:spLocks noGrp="1"/>
+          </p:cNvSpPr>
+          <p:nvPr>
+            <p:ph type="subTitle" idx="13"/>
           </p:nvPr>
         </p:nvSpPr>
         <p:spPr/>
@@ -5139,36 +5600,6 @@
             <a:r>
               <a:rPr lang="fr-FR" dirty="0" smtClean="0"/>
               <a:t>Chapitre 4</a:t>
-            </a:r>
-            <a:endParaRPr lang="fr-FR" dirty="0"/>
-          </a:p>
-        </p:txBody>
-      </p:sp>
-      <p:sp>
-        <p:nvSpPr>
-          <p:cNvPr id="7" name="Espace réservé du texte 6"/>
-          <p:cNvSpPr>
-            <a:spLocks noGrp="1"/>
-          </p:cNvSpPr>
-          <p:nvPr>
-            <p:ph type="body" sz="quarter" idx="16"/>
-          </p:nvPr>
-        </p:nvSpPr>
-        <p:spPr>
-          <a:xfrm>
-            <a:off x="314226" y="2363164"/>
-            <a:ext cx="2831629" cy="589563"/>
-          </a:xfrm>
-        </p:spPr>
-        <p:txBody>
-          <a:bodyPr>
-            <a:normAutofit fontScale="77500" lnSpcReduction="20000"/>
-          </a:bodyPr>
-          <a:lstStyle/>
-          <a:p>
-            <a:r>
-              <a:rPr lang="fr-FR" dirty="0" smtClean="0"/>
-              <a:t>Utilisation d’un bloc statique</a:t>
             </a:r>
             <a:endParaRPr lang="fr-FR" dirty="0"/>
           </a:p>
@@ -5177,20 +5608,20 @@
     </p:spTree>
     <p:extLst>
       <p:ext uri="{BB962C8B-B14F-4D97-AF65-F5344CB8AC3E}">
-        <p14:creationId xmlns:p14="http://schemas.microsoft.com/office/powerpoint/2010/main" val="3121328382"/>
+        <p14:creationId xmlns:p14="http://schemas.microsoft.com/office/powerpoint/2010/main" val="2969424450"/>
       </p:ext>
     </p:extLst>
   </p:cSld>
   <p:clrMapOvr>
     <a:masterClrMapping/>
   </p:clrMapOvr>
-  <mc:AlternateContent xmlns:mc="http://schemas.openxmlformats.org/markup-compatibility/2006">
-    <mc:Choice xmlns:p15="http://schemas.microsoft.com/office/powerpoint/2012/main" Requires="p15">
-      <p:transition xmlns:p14="http://schemas.microsoft.com/office/powerpoint/2010/main" spd="slow" p14:dur="1250">
-        <p15:prstTrans prst="airplane"/>
+  <mc:AlternateContent xmlns:mc="http://schemas.openxmlformats.org/markup-compatibility/2006" xmlns:p15="http://schemas.microsoft.com/office/powerpoint/2012/main">
+    <mc:Choice Requires="p15">
+      <p:transition xmlns:p14="http://schemas.microsoft.com/office/powerpoint/2010/main" spd="slow" p14:dur="2000">
+        <p15:prstTrans prst="fracture"/>
       </p:transition>
     </mc:Choice>
-    <mc:Fallback>
+    <mc:Fallback xmlns="">
       <p:transition spd="slow">
         <p:fade/>
       </p:transition>

--- a/Diapo/DIapo.pptx
+++ b/Diapo/DIapo.pptx
@@ -238,7 +238,7 @@
           </a:lstStyle>
           <a:p>
             <a:fld id="{4B230A23-3E98-F64D-859B-DE462771A158}" type="datetimeFigureOut">
-              <a:t>18/01/2016</a:t>
+              <a:t>20/01/2016</a:t>
             </a:fld>
             <a:endParaRPr lang="fr-FR"/>
           </a:p>
@@ -551,7 +551,7 @@
             <a:fld id="{5BBF241E-D95D-F947-BD40-BA0B1092A59D}" type="datetimeFigureOut">
               <a:rPr lang="fr-FR" smtClean="0"/>
               <a:pPr/>
-              <a:t>18/01/2016</a:t>
+              <a:t>20/01/2016</a:t>
             </a:fld>
             <a:endParaRPr lang="fr-FR"/>
           </a:p>
@@ -831,7 +831,7 @@
             <a:fld id="{5BBF241E-D95D-F947-BD40-BA0B1092A59D}" type="datetimeFigureOut">
               <a:rPr lang="fr-FR" smtClean="0"/>
               <a:pPr/>
-              <a:t>18/01/2016</a:t>
+              <a:t>20/01/2016</a:t>
             </a:fld>
             <a:endParaRPr lang="fr-FR"/>
           </a:p>
@@ -1111,7 +1111,7 @@
             <a:fld id="{5BBF241E-D95D-F947-BD40-BA0B1092A59D}" type="datetimeFigureOut">
               <a:rPr lang="fr-FR" smtClean="0"/>
               <a:pPr/>
-              <a:t>18/01/2016</a:t>
+              <a:t>20/01/2016</a:t>
             </a:fld>
             <a:endParaRPr lang="fr-FR"/>
           </a:p>
@@ -1348,7 +1348,7 @@
             <a:fld id="{5BBF241E-D95D-F947-BD40-BA0B1092A59D}" type="datetimeFigureOut">
               <a:rPr lang="fr-FR" smtClean="0"/>
               <a:pPr/>
-              <a:t>18/01/2016</a:t>
+              <a:t>20/01/2016</a:t>
             </a:fld>
             <a:endParaRPr lang="fr-FR"/>
           </a:p>
@@ -1730,7 +1730,7 @@
             <a:fld id="{5BBF241E-D95D-F947-BD40-BA0B1092A59D}" type="datetimeFigureOut">
               <a:rPr lang="fr-FR" smtClean="0"/>
               <a:pPr/>
-              <a:t>18/01/2016</a:t>
+              <a:t>20/01/2016</a:t>
             </a:fld>
             <a:endParaRPr lang="fr-FR"/>
           </a:p>
@@ -2081,7 +2081,7 @@
             <a:fld id="{5BBF241E-D95D-F947-BD40-BA0B1092A59D}" type="datetimeFigureOut">
               <a:rPr lang="fr-FR" smtClean="0"/>
               <a:pPr/>
-              <a:t>18/01/2016</a:t>
+              <a:t>20/01/2016</a:t>
             </a:fld>
             <a:endParaRPr lang="fr-FR"/>
           </a:p>
@@ -2607,7 +2607,7 @@
             <a:fld id="{5BBF241E-D95D-F947-BD40-BA0B1092A59D}" type="datetimeFigureOut">
               <a:rPr lang="fr-FR" smtClean="0"/>
               <a:pPr/>
-              <a:t>18/01/2016</a:t>
+              <a:t>20/01/2016</a:t>
             </a:fld>
             <a:endParaRPr lang="fr-FR"/>
           </a:p>
@@ -2891,7 +2891,7 @@
             <a:fld id="{5BBF241E-D95D-F947-BD40-BA0B1092A59D}" type="datetimeFigureOut">
               <a:rPr lang="fr-FR" smtClean="0"/>
               <a:pPr/>
-              <a:t>18/01/2016</a:t>
+              <a:t>20/01/2016</a:t>
             </a:fld>
             <a:endParaRPr lang="fr-FR"/>
           </a:p>
@@ -3139,7 +3139,7 @@
             <a:fld id="{5BBF241E-D95D-F947-BD40-BA0B1092A59D}" type="datetimeFigureOut">
               <a:rPr lang="fr-FR" smtClean="0"/>
               <a:pPr/>
-              <a:t>18/01/2016</a:t>
+              <a:t>20/01/2016</a:t>
             </a:fld>
             <a:endParaRPr lang="fr-FR"/>
           </a:p>
@@ -3328,7 +3328,7 @@
             <a:fld id="{5BBF241E-D95D-F947-BD40-BA0B1092A59D}" type="datetimeFigureOut">
               <a:rPr lang="fr-FR" smtClean="0"/>
               <a:pPr/>
-              <a:t>18/01/2016</a:t>
+              <a:t>20/01/2016</a:t>
             </a:fld>
             <a:endParaRPr lang="fr-FR"/>
           </a:p>
@@ -3683,7 +3683,7 @@
             <a:fld id="{5BBF241E-D95D-F947-BD40-BA0B1092A59D}" type="datetimeFigureOut">
               <a:rPr lang="fr-FR" smtClean="0"/>
               <a:pPr/>
-              <a:t>18/01/2016</a:t>
+              <a:t>20/01/2016</a:t>
             </a:fld>
             <a:endParaRPr lang="fr-FR"/>
           </a:p>
@@ -4216,9 +4216,22 @@
         </p:blipFill>
         <p:spPr>
           <a:xfrm>
-            <a:off x="3689130" y="838132"/>
+            <a:off x="3560341" y="838132"/>
             <a:ext cx="5330501" cy="4206834"/>
           </a:xfrm>
+          <a:prstGeom prst="rect">
+            <a:avLst/>
+          </a:prstGeom>
+          <a:ln>
+            <a:noFill/>
+          </a:ln>
+          <a:effectLst>
+            <a:outerShdw blurRad="292100" dist="139700" dir="2700000" algn="tl" rotWithShape="0">
+              <a:srgbClr val="333333">
+                <a:alpha val="65000"/>
+              </a:srgbClr>
+            </a:outerShdw>
+          </a:effectLst>
         </p:spPr>
       </p:pic>
       <p:sp>
@@ -4284,13 +4297,13 @@
   <p:clrMapOvr>
     <a:masterClrMapping/>
   </p:clrMapOvr>
-  <mc:AlternateContent xmlns:mc="http://schemas.openxmlformats.org/markup-compatibility/2006" xmlns:p15="http://schemas.microsoft.com/office/powerpoint/2012/main">
-    <mc:Choice Requires="p15">
+  <mc:AlternateContent xmlns:mc="http://schemas.openxmlformats.org/markup-compatibility/2006">
+    <mc:Choice xmlns:p15="http://schemas.microsoft.com/office/powerpoint/2012/main" Requires="p15">
       <p:transition xmlns:p14="http://schemas.microsoft.com/office/powerpoint/2010/main" spd="slow" p14:dur="1250">
-        <p15:prstTrans prst="airplane"/>
+        <p15:prstTrans prst="peelOff"/>
       </p:transition>
     </mc:Choice>
-    <mc:Fallback xmlns="">
+    <mc:Fallback>
       <p:transition spd="slow">
         <p:fade/>
       </p:transition>
@@ -4381,13 +4394,13 @@
   <p:clrMapOvr>
     <a:masterClrMapping/>
   </p:clrMapOvr>
-  <mc:AlternateContent xmlns:mc="http://schemas.openxmlformats.org/markup-compatibility/2006" xmlns:p15="http://schemas.microsoft.com/office/powerpoint/2012/main">
-    <mc:Choice Requires="p15">
-      <p:transition xmlns:p14="http://schemas.microsoft.com/office/powerpoint/2010/main" spd="slow" p14:dur="2000">
-        <p15:prstTrans prst="fracture"/>
+  <mc:AlternateContent xmlns:mc="http://schemas.openxmlformats.org/markup-compatibility/2006">
+    <mc:Choice xmlns:p15="http://schemas.microsoft.com/office/powerpoint/2012/main" Requires="p15">
+      <p:transition xmlns:p14="http://schemas.microsoft.com/office/powerpoint/2010/main" spd="slow" p14:dur="1250">
+        <p15:prstTrans prst="peelOff"/>
       </p:transition>
     </mc:Choice>
-    <mc:Fallback xmlns="">
+    <mc:Fallback>
       <p:transition spd="slow">
         <p:fade/>
       </p:transition>
@@ -4455,13 +4468,23 @@
         </p:nvSpPr>
         <p:spPr/>
         <p:txBody>
-          <a:bodyPr numCol="2"/>
+          <a:bodyPr numCol="1"/>
           <a:lstStyle/>
           <a:p>
             <a:r>
               <a:rPr lang="fr-FR" sz="2000" dirty="0" smtClean="0"/>
-              <a:t>Jouer en équipe</a:t>
-            </a:r>
+              <a:t>Jouer en </a:t>
+            </a:r>
+            <a:r>
+              <a:rPr lang="fr-FR" sz="2000" dirty="0" smtClean="0"/>
+              <a:t>équipe</a:t>
+            </a:r>
+          </a:p>
+          <a:p>
+            <a:pPr marL="0" indent="0">
+              <a:buNone/>
+            </a:pPr>
+            <a:endParaRPr lang="fr-FR" sz="2000" dirty="0" smtClean="0"/>
           </a:p>
           <a:p>
             <a:r>
@@ -4474,65 +4497,24 @@
           </a:p>
           <a:p>
             <a:r>
-              <a:rPr lang="fr-FR" sz="2000" dirty="0" err="1" smtClean="0"/>
-              <a:t>Zefzefzef</a:t>
-            </a:r>
+              <a:rPr lang="fr-FR" sz="2000" dirty="0" smtClean="0"/>
+              <a:t>Élargir la palette de montres et de compétences</a:t>
+            </a:r>
+            <a:endParaRPr lang="fr-FR" sz="2000" dirty="0"/>
+          </a:p>
+          <a:p>
             <a:endParaRPr lang="fr-FR" sz="2000" dirty="0" smtClean="0"/>
           </a:p>
           <a:p>
             <a:r>
-              <a:rPr lang="fr-FR" sz="2000" dirty="0" err="1" smtClean="0"/>
-              <a:t>Zefzefzef</a:t>
-            </a:r>
-            <a:endParaRPr lang="fr-FR" sz="2000" dirty="0" smtClean="0"/>
-          </a:p>
-          <a:p>
-            <a:r>
-              <a:rPr lang="fr-FR" sz="2000" dirty="0" err="1" smtClean="0"/>
-              <a:t>Szadazdzad</a:t>
-            </a:r>
-            <a:endParaRPr lang="fr-FR" sz="2000" dirty="0" smtClean="0"/>
-          </a:p>
-          <a:p>
-            <a:r>
-              <a:rPr lang="fr-FR" sz="2000" dirty="0" err="1" smtClean="0"/>
-              <a:t>Zadazdazda</a:t>
-            </a:r>
-            <a:endParaRPr lang="fr-FR" sz="2000" dirty="0" smtClean="0"/>
-          </a:p>
-          <a:p>
-            <a:r>
-              <a:rPr lang="fr-FR" sz="2000" dirty="0" err="1" smtClean="0"/>
-              <a:t>Zdazdazdaz</a:t>
-            </a:r>
-            <a:endParaRPr lang="fr-FR" sz="2000" dirty="0" smtClean="0"/>
-          </a:p>
-          <a:p>
-            <a:r>
-              <a:rPr lang="fr-FR" sz="2000" dirty="0" err="1" smtClean="0"/>
-              <a:t>Dazdazda</a:t>
-            </a:r>
-            <a:endParaRPr lang="fr-FR" sz="2000" dirty="0" smtClean="0"/>
-          </a:p>
-          <a:p>
-            <a:r>
-              <a:rPr lang="fr-FR" sz="2000" dirty="0" err="1" smtClean="0"/>
-              <a:t>Dazdazd</a:t>
-            </a:r>
-            <a:endParaRPr lang="fr-FR" sz="2000" dirty="0" smtClean="0"/>
-          </a:p>
-          <a:p>
-            <a:r>
-              <a:rPr lang="fr-FR" sz="2000" dirty="0" err="1" smtClean="0"/>
-              <a:t>Azdzefzfz</a:t>
-            </a:r>
-            <a:endParaRPr lang="fr-FR" sz="2000" dirty="0" smtClean="0"/>
-          </a:p>
-          <a:p>
-            <a:r>
-              <a:rPr lang="fr-FR" sz="2000" dirty="0" err="1" smtClean="0"/>
-              <a:t>Zfezefze</a:t>
-            </a:r>
+              <a:rPr lang="fr-FR" sz="2000" dirty="0" smtClean="0"/>
+              <a:t>Améliorer l’histoire</a:t>
+            </a:r>
+          </a:p>
+          <a:p>
+            <a:endParaRPr lang="fr-FR" sz="2000" dirty="0"/>
+          </a:p>
+          <a:p>
             <a:endParaRPr lang="fr-FR" sz="2000" dirty="0" smtClean="0"/>
           </a:p>
         </p:txBody>
@@ -4570,6 +4552,18 @@
   <p:clrMapOvr>
     <a:masterClrMapping/>
   </p:clrMapOvr>
+  <mc:AlternateContent xmlns:mc="http://schemas.openxmlformats.org/markup-compatibility/2006">
+    <mc:Choice xmlns:p15="http://schemas.microsoft.com/office/powerpoint/2012/main" Requires="p15">
+      <p:transition xmlns:p14="http://schemas.microsoft.com/office/powerpoint/2010/main" spd="slow" p14:dur="1250">
+        <p15:prstTrans prst="peelOff"/>
+      </p:transition>
+    </mc:Choice>
+    <mc:Fallback>
+      <p:transition spd="slow">
+        <p:fade/>
+      </p:transition>
+    </mc:Fallback>
+  </mc:AlternateContent>
   <p:timing>
     <p:tnLst>
       <p:par>
@@ -4675,13 +4669,13 @@
   <p:clrMapOvr>
     <a:masterClrMapping/>
   </p:clrMapOvr>
-  <mc:AlternateContent xmlns:mc="http://schemas.openxmlformats.org/markup-compatibility/2006" xmlns:p15="http://schemas.microsoft.com/office/powerpoint/2012/main">
-    <mc:Choice Requires="p15">
-      <p:transition xmlns:p14="http://schemas.microsoft.com/office/powerpoint/2010/main" spd="slow" p14:dur="2000">
-        <p15:prstTrans prst="drape"/>
+  <mc:AlternateContent xmlns:mc="http://schemas.openxmlformats.org/markup-compatibility/2006">
+    <mc:Choice xmlns:p15="http://schemas.microsoft.com/office/powerpoint/2012/main" Requires="p15">
+      <p:transition xmlns:p14="http://schemas.microsoft.com/office/powerpoint/2010/main" spd="slow" p14:dur="1250">
+        <p15:prstTrans prst="peelOff"/>
       </p:transition>
     </mc:Choice>
-    <mc:Fallback xmlns="">
+    <mc:Fallback>
       <p:transition spd="slow">
         <p:fade/>
       </p:transition>
@@ -4815,13 +4809,13 @@
   <p:clrMapOvr>
     <a:masterClrMapping/>
   </p:clrMapOvr>
-  <mc:AlternateContent xmlns:mc="http://schemas.openxmlformats.org/markup-compatibility/2006" xmlns:p14="http://schemas.microsoft.com/office/powerpoint/2010/main">
-    <mc:Choice Requires="p14">
-      <p:transition spd="slow" p14:dur="4000">
-        <p14:vortex dir="r"/>
+  <mc:AlternateContent xmlns:mc="http://schemas.openxmlformats.org/markup-compatibility/2006">
+    <mc:Choice xmlns:p15="http://schemas.microsoft.com/office/powerpoint/2012/main" Requires="p15">
+      <p:transition xmlns:p14="http://schemas.microsoft.com/office/powerpoint/2010/main" spd="slow" p14:dur="1250">
+        <p15:prstTrans prst="peelOff"/>
       </p:transition>
     </mc:Choice>
-    <mc:Fallback xmlns="">
+    <mc:Fallback>
       <p:transition spd="slow">
         <p:fade/>
       </p:transition>
@@ -4956,9 +4950,9 @@
     <a:masterClrMapping/>
   </p:clrMapOvr>
   <mc:AlternateContent xmlns:mc="http://schemas.openxmlformats.org/markup-compatibility/2006">
-    <mc:Choice xmlns:p14="http://schemas.microsoft.com/office/powerpoint/2010/main" Requires="p14">
-      <p:transition spd="slow" p14:dur="800">
-        <p14:flythrough/>
+    <mc:Choice xmlns:p15="http://schemas.microsoft.com/office/powerpoint/2012/main" Requires="p15">
+      <p:transition xmlns:p14="http://schemas.microsoft.com/office/powerpoint/2010/main" spd="slow" p14:dur="1250">
+        <p15:prstTrans prst="peelOff"/>
       </p:transition>
     </mc:Choice>
     <mc:Fallback>
@@ -5056,13 +5050,13 @@
   <p:clrMapOvr>
     <a:masterClrMapping/>
   </p:clrMapOvr>
-  <mc:AlternateContent xmlns:mc="http://schemas.openxmlformats.org/markup-compatibility/2006" xmlns:p15="http://schemas.microsoft.com/office/powerpoint/2012/main">
-    <mc:Choice Requires="p15">
-      <p:transition xmlns:p14="http://schemas.microsoft.com/office/powerpoint/2010/main" spd="slow" p14:dur="6000">
-        <p15:prstTrans prst="curtains"/>
+  <mc:AlternateContent xmlns:mc="http://schemas.openxmlformats.org/markup-compatibility/2006">
+    <mc:Choice xmlns:p15="http://schemas.microsoft.com/office/powerpoint/2012/main" Requires="p15">
+      <p:transition xmlns:p14="http://schemas.microsoft.com/office/powerpoint/2010/main" spd="slow" p14:dur="1250">
+        <p15:prstTrans prst="peelOff"/>
       </p:transition>
     </mc:Choice>
-    <mc:Fallback xmlns="">
+    <mc:Fallback>
       <p:transition spd="slow">
         <p:fade/>
       </p:transition>
@@ -5168,9 +5162,22 @@
         </p:blipFill>
         <p:spPr>
           <a:xfrm>
-            <a:off x="4672836" y="1201168"/>
+            <a:off x="4572000" y="1201168"/>
             <a:ext cx="4219647" cy="3395662"/>
           </a:xfrm>
+          <a:prstGeom prst="rect">
+            <a:avLst/>
+          </a:prstGeom>
+          <a:ln>
+            <a:noFill/>
+          </a:ln>
+          <a:effectLst>
+            <a:outerShdw blurRad="292100" dist="139700" dir="2700000" algn="tl" rotWithShape="0">
+              <a:srgbClr val="333333">
+                <a:alpha val="65000"/>
+              </a:srgbClr>
+            </a:outerShdw>
+          </a:effectLst>
         </p:spPr>
       </p:pic>
       <p:sp>
@@ -5268,13 +5275,13 @@
   <p:clrMapOvr>
     <a:masterClrMapping/>
   </p:clrMapOvr>
-  <mc:AlternateContent xmlns:mc="http://schemas.openxmlformats.org/markup-compatibility/2006" xmlns:p15="http://schemas.microsoft.com/office/powerpoint/2012/main">
-    <mc:Choice Requires="p15">
-      <p:transition xmlns:p14="http://schemas.microsoft.com/office/powerpoint/2010/main" spd="slow" p14:dur="3250">
-        <p15:prstTrans prst="origami"/>
+  <mc:AlternateContent xmlns:mc="http://schemas.openxmlformats.org/markup-compatibility/2006">
+    <mc:Choice xmlns:p15="http://schemas.microsoft.com/office/powerpoint/2012/main" Requires="p15">
+      <p:transition xmlns:p14="http://schemas.microsoft.com/office/powerpoint/2010/main" spd="slow" p14:dur="1250">
+        <p15:prstTrans prst="peelOff"/>
       </p:transition>
     </mc:Choice>
-    <mc:Fallback xmlns="">
+    <mc:Fallback>
       <p:transition spd="slow">
         <p:fade/>
       </p:transition>
@@ -5363,13 +5370,13 @@
   <p:clrMapOvr>
     <a:masterClrMapping/>
   </p:clrMapOvr>
-  <mc:AlternateContent xmlns:mc="http://schemas.openxmlformats.org/markup-compatibility/2006" xmlns:p15="http://schemas.microsoft.com/office/powerpoint/2012/main">
-    <mc:Choice Requires="p15">
-      <p:transition xmlns:p14="http://schemas.microsoft.com/office/powerpoint/2010/main" spd="slow" p14:dur="2000">
-        <p15:prstTrans prst="wind"/>
+  <mc:AlternateContent xmlns:mc="http://schemas.openxmlformats.org/markup-compatibility/2006">
+    <mc:Choice xmlns:p15="http://schemas.microsoft.com/office/powerpoint/2012/main" Requires="p15">
+      <p:transition xmlns:p14="http://schemas.microsoft.com/office/powerpoint/2010/main" spd="slow" p14:dur="1250">
+        <p15:prstTrans prst="peelOff"/>
       </p:transition>
     </mc:Choice>
-    <mc:Fallback xmlns="">
+    <mc:Fallback>
       <p:transition spd="slow">
         <p:fade/>
       </p:transition>
@@ -5505,9 +5512,22 @@
         </p:blipFill>
         <p:spPr>
           <a:xfrm>
-            <a:off x="3664039" y="817085"/>
+            <a:off x="3419341" y="817085"/>
             <a:ext cx="5368585" cy="4208741"/>
           </a:xfrm>
+          <a:prstGeom prst="rect">
+            <a:avLst/>
+          </a:prstGeom>
+          <a:ln>
+            <a:noFill/>
+          </a:ln>
+          <a:effectLst>
+            <a:outerShdw blurRad="292100" dist="139700" dir="2700000" algn="tl" rotWithShape="0">
+              <a:srgbClr val="333333">
+                <a:alpha val="65000"/>
+              </a:srgbClr>
+            </a:outerShdw>
+          </a:effectLst>
         </p:spPr>
       </p:pic>
     </p:spTree>
@@ -5520,13 +5540,13 @@
   <p:clrMapOvr>
     <a:masterClrMapping/>
   </p:clrMapOvr>
-  <mc:AlternateContent xmlns:mc="http://schemas.openxmlformats.org/markup-compatibility/2006" xmlns:p14="http://schemas.microsoft.com/office/powerpoint/2010/main">
-    <mc:Choice Requires="p14">
-      <p:transition spd="slow" p14:dur="1400">
-        <p14:ripple/>
+  <mc:AlternateContent xmlns:mc="http://schemas.openxmlformats.org/markup-compatibility/2006">
+    <mc:Choice xmlns:p15="http://schemas.microsoft.com/office/powerpoint/2012/main" Requires="p15">
+      <p:transition xmlns:p14="http://schemas.microsoft.com/office/powerpoint/2010/main" spd="slow" p14:dur="1250">
+        <p15:prstTrans prst="peelOff"/>
       </p:transition>
     </mc:Choice>
-    <mc:Fallback xmlns="">
+    <mc:Fallback>
       <p:transition spd="slow">
         <p:fade/>
       </p:transition>
@@ -5615,13 +5635,13 @@
   <p:clrMapOvr>
     <a:masterClrMapping/>
   </p:clrMapOvr>
-  <mc:AlternateContent xmlns:mc="http://schemas.openxmlformats.org/markup-compatibility/2006" xmlns:p15="http://schemas.microsoft.com/office/powerpoint/2012/main">
-    <mc:Choice Requires="p15">
-      <p:transition xmlns:p14="http://schemas.microsoft.com/office/powerpoint/2010/main" spd="slow" p14:dur="2000">
-        <p15:prstTrans prst="fracture"/>
+  <mc:AlternateContent xmlns:mc="http://schemas.openxmlformats.org/markup-compatibility/2006">
+    <mc:Choice xmlns:p15="http://schemas.microsoft.com/office/powerpoint/2012/main" Requires="p15">
+      <p:transition xmlns:p14="http://schemas.microsoft.com/office/powerpoint/2010/main" spd="slow" p14:dur="1250">
+        <p15:prstTrans prst="peelOff"/>
       </p:transition>
     </mc:Choice>
-    <mc:Fallback xmlns="">
+    <mc:Fallback>
       <p:transition spd="slow">
         <p:fade/>
       </p:transition>

--- a/Diapo/DIapo.pptx
+++ b/Diapo/DIapo.pptx
@@ -4297,13 +4297,13 @@
   <p:clrMapOvr>
     <a:masterClrMapping/>
   </p:clrMapOvr>
-  <mc:AlternateContent xmlns:mc="http://schemas.openxmlformats.org/markup-compatibility/2006">
-    <mc:Choice xmlns:p15="http://schemas.microsoft.com/office/powerpoint/2012/main" Requires="p15">
+  <mc:AlternateContent xmlns:mc="http://schemas.openxmlformats.org/markup-compatibility/2006" xmlns:p15="http://schemas.microsoft.com/office/powerpoint/2012/main">
+    <mc:Choice Requires="p15">
       <p:transition xmlns:p14="http://schemas.microsoft.com/office/powerpoint/2010/main" spd="slow" p14:dur="1250">
         <p15:prstTrans prst="peelOff"/>
       </p:transition>
     </mc:Choice>
-    <mc:Fallback>
+    <mc:Fallback xmlns="">
       <p:transition spd="slow">
         <p:fade/>
       </p:transition>
@@ -4394,13 +4394,13 @@
   <p:clrMapOvr>
     <a:masterClrMapping/>
   </p:clrMapOvr>
-  <mc:AlternateContent xmlns:mc="http://schemas.openxmlformats.org/markup-compatibility/2006">
-    <mc:Choice xmlns:p15="http://schemas.microsoft.com/office/powerpoint/2012/main" Requires="p15">
+  <mc:AlternateContent xmlns:mc="http://schemas.openxmlformats.org/markup-compatibility/2006" xmlns:p15="http://schemas.microsoft.com/office/powerpoint/2012/main">
+    <mc:Choice Requires="p15">
       <p:transition xmlns:p14="http://schemas.microsoft.com/office/powerpoint/2010/main" spd="slow" p14:dur="1250">
         <p15:prstTrans prst="peelOff"/>
       </p:transition>
     </mc:Choice>
-    <mc:Fallback>
+    <mc:Fallback xmlns="">
       <p:transition spd="slow">
         <p:fade/>
       </p:transition>
@@ -4473,11 +4473,7 @@
           <a:p>
             <a:r>
               <a:rPr lang="fr-FR" sz="2000" dirty="0" smtClean="0"/>
-              <a:t>Jouer en </a:t>
-            </a:r>
-            <a:r>
-              <a:rPr lang="fr-FR" sz="2000" dirty="0" smtClean="0"/>
-              <a:t>équipe</a:t>
+              <a:t>Jouer en équipe</a:t>
             </a:r>
           </a:p>
           <a:p>
@@ -4552,13 +4548,13 @@
   <p:clrMapOvr>
     <a:masterClrMapping/>
   </p:clrMapOvr>
-  <mc:AlternateContent xmlns:mc="http://schemas.openxmlformats.org/markup-compatibility/2006">
-    <mc:Choice xmlns:p15="http://schemas.microsoft.com/office/powerpoint/2012/main" Requires="p15">
+  <mc:AlternateContent xmlns:mc="http://schemas.openxmlformats.org/markup-compatibility/2006" xmlns:p15="http://schemas.microsoft.com/office/powerpoint/2012/main">
+    <mc:Choice Requires="p15">
       <p:transition xmlns:p14="http://schemas.microsoft.com/office/powerpoint/2010/main" spd="slow" p14:dur="1250">
         <p15:prstTrans prst="peelOff"/>
       </p:transition>
     </mc:Choice>
-    <mc:Fallback>
+    <mc:Fallback xmlns="">
       <p:transition spd="slow">
         <p:fade/>
       </p:transition>
@@ -4669,13 +4665,13 @@
   <p:clrMapOvr>
     <a:masterClrMapping/>
   </p:clrMapOvr>
-  <mc:AlternateContent xmlns:mc="http://schemas.openxmlformats.org/markup-compatibility/2006">
-    <mc:Choice xmlns:p15="http://schemas.microsoft.com/office/powerpoint/2012/main" Requires="p15">
+  <mc:AlternateContent xmlns:mc="http://schemas.openxmlformats.org/markup-compatibility/2006" xmlns:p15="http://schemas.microsoft.com/office/powerpoint/2012/main">
+    <mc:Choice Requires="p15">
       <p:transition xmlns:p14="http://schemas.microsoft.com/office/powerpoint/2010/main" spd="slow" p14:dur="1250">
         <p15:prstTrans prst="peelOff"/>
       </p:transition>
     </mc:Choice>
-    <mc:Fallback>
+    <mc:Fallback xmlns="">
       <p:transition spd="slow">
         <p:fade/>
       </p:transition>
@@ -4809,13 +4805,13 @@
   <p:clrMapOvr>
     <a:masterClrMapping/>
   </p:clrMapOvr>
-  <mc:AlternateContent xmlns:mc="http://schemas.openxmlformats.org/markup-compatibility/2006">
-    <mc:Choice xmlns:p15="http://schemas.microsoft.com/office/powerpoint/2012/main" Requires="p15">
+  <mc:AlternateContent xmlns:mc="http://schemas.openxmlformats.org/markup-compatibility/2006" xmlns:p15="http://schemas.microsoft.com/office/powerpoint/2012/main">
+    <mc:Choice Requires="p15">
       <p:transition xmlns:p14="http://schemas.microsoft.com/office/powerpoint/2010/main" spd="slow" p14:dur="1250">
         <p15:prstTrans prst="peelOff"/>
       </p:transition>
     </mc:Choice>
-    <mc:Fallback>
+    <mc:Fallback xmlns="">
       <p:transition spd="slow">
         <p:fade/>
       </p:transition>
@@ -4949,13 +4945,13 @@
   <p:clrMapOvr>
     <a:masterClrMapping/>
   </p:clrMapOvr>
-  <mc:AlternateContent xmlns:mc="http://schemas.openxmlformats.org/markup-compatibility/2006">
-    <mc:Choice xmlns:p15="http://schemas.microsoft.com/office/powerpoint/2012/main" Requires="p15">
+  <mc:AlternateContent xmlns:mc="http://schemas.openxmlformats.org/markup-compatibility/2006" xmlns:p15="http://schemas.microsoft.com/office/powerpoint/2012/main">
+    <mc:Choice Requires="p15">
       <p:transition xmlns:p14="http://schemas.microsoft.com/office/powerpoint/2010/main" spd="slow" p14:dur="1250">
         <p15:prstTrans prst="peelOff"/>
       </p:transition>
     </mc:Choice>
-    <mc:Fallback>
+    <mc:Fallback xmlns="">
       <p:transition spd="slow">
         <p:fade/>
       </p:transition>
@@ -5050,13 +5046,13 @@
   <p:clrMapOvr>
     <a:masterClrMapping/>
   </p:clrMapOvr>
-  <mc:AlternateContent xmlns:mc="http://schemas.openxmlformats.org/markup-compatibility/2006">
-    <mc:Choice xmlns:p15="http://schemas.microsoft.com/office/powerpoint/2012/main" Requires="p15">
+  <mc:AlternateContent xmlns:mc="http://schemas.openxmlformats.org/markup-compatibility/2006" xmlns:p15="http://schemas.microsoft.com/office/powerpoint/2012/main">
+    <mc:Choice Requires="p15">
       <p:transition xmlns:p14="http://schemas.microsoft.com/office/powerpoint/2010/main" spd="slow" p14:dur="1250">
         <p15:prstTrans prst="peelOff"/>
       </p:transition>
     </mc:Choice>
-    <mc:Fallback>
+    <mc:Fallback xmlns="">
       <p:transition spd="slow">
         <p:fade/>
       </p:transition>
@@ -5138,48 +5134,6 @@
           </a:p>
         </p:txBody>
       </p:sp>
-      <p:pic>
-        <p:nvPicPr>
-          <p:cNvPr id="7" name="Espace réservé du contenu 6"/>
-          <p:cNvPicPr>
-            <a:picLocks noGrp="1" noChangeAspect="1"/>
-          </p:cNvPicPr>
-          <p:nvPr>
-            <p:ph idx="1"/>
-          </p:nvPr>
-        </p:nvPicPr>
-        <p:blipFill>
-          <a:blip r:embed="rId2">
-            <a:extLst>
-              <a:ext uri="{28A0092B-C50C-407E-A947-70E740481C1C}">
-                <a14:useLocalDpi xmlns:a14="http://schemas.microsoft.com/office/drawing/2010/main" val="0"/>
-              </a:ext>
-            </a:extLst>
-          </a:blip>
-          <a:stretch>
-            <a:fillRect/>
-          </a:stretch>
-        </p:blipFill>
-        <p:spPr>
-          <a:xfrm>
-            <a:off x="4572000" y="1201168"/>
-            <a:ext cx="4219647" cy="3395662"/>
-          </a:xfrm>
-          <a:prstGeom prst="rect">
-            <a:avLst/>
-          </a:prstGeom>
-          <a:ln>
-            <a:noFill/>
-          </a:ln>
-          <a:effectLst>
-            <a:outerShdw blurRad="292100" dist="139700" dir="2700000" algn="tl" rotWithShape="0">
-              <a:srgbClr val="333333">
-                <a:alpha val="65000"/>
-              </a:srgbClr>
-            </a:outerShdw>
-          </a:effectLst>
-        </p:spPr>
-      </p:pic>
       <p:sp>
         <p:nvSpPr>
           <p:cNvPr id="3" name="ZoneTexte 2"/>
@@ -5188,7 +5142,7 @@
         </p:nvSpPr>
         <p:spPr>
           <a:xfrm>
-            <a:off x="968980" y="2330841"/>
+            <a:off x="241324" y="2461531"/>
             <a:ext cx="2799164" cy="892552"/>
           </a:xfrm>
           <a:prstGeom prst="rect">
@@ -5265,6 +5219,35 @@
           </a:p>
         </p:txBody>
       </p:sp>
+      <p:pic>
+        <p:nvPicPr>
+          <p:cNvPr id="6" name="Espace réservé du contenu 5"/>
+          <p:cNvPicPr>
+            <a:picLocks noGrp="1" noChangeAspect="1"/>
+          </p:cNvPicPr>
+          <p:nvPr>
+            <p:ph idx="1"/>
+          </p:nvPr>
+        </p:nvPicPr>
+        <p:blipFill>
+          <a:blip r:embed="rId2">
+            <a:extLst>
+              <a:ext uri="{28A0092B-C50C-407E-A947-70E740481C1C}">
+                <a14:useLocalDpi xmlns:a14="http://schemas.microsoft.com/office/drawing/2010/main" val="0"/>
+              </a:ext>
+            </a:extLst>
+          </a:blip>
+          <a:stretch>
+            <a:fillRect/>
+          </a:stretch>
+        </p:blipFill>
+        <p:spPr>
+          <a:xfrm>
+            <a:off x="3117033" y="1264544"/>
+            <a:ext cx="5901579" cy="3291357"/>
+          </a:xfrm>
+        </p:spPr>
+      </p:pic>
     </p:spTree>
     <p:extLst>
       <p:ext uri="{BB962C8B-B14F-4D97-AF65-F5344CB8AC3E}">
@@ -5275,13 +5258,13 @@
   <p:clrMapOvr>
     <a:masterClrMapping/>
   </p:clrMapOvr>
-  <mc:AlternateContent xmlns:mc="http://schemas.openxmlformats.org/markup-compatibility/2006">
-    <mc:Choice xmlns:p15="http://schemas.microsoft.com/office/powerpoint/2012/main" Requires="p15">
+  <mc:AlternateContent xmlns:mc="http://schemas.openxmlformats.org/markup-compatibility/2006" xmlns:p15="http://schemas.microsoft.com/office/powerpoint/2012/main">
+    <mc:Choice Requires="p15">
       <p:transition xmlns:p14="http://schemas.microsoft.com/office/powerpoint/2010/main" spd="slow" p14:dur="1250">
         <p15:prstTrans prst="peelOff"/>
       </p:transition>
     </mc:Choice>
-    <mc:Fallback>
+    <mc:Fallback xmlns="">
       <p:transition spd="slow">
         <p:fade/>
       </p:transition>
@@ -5370,13 +5353,13 @@
   <p:clrMapOvr>
     <a:masterClrMapping/>
   </p:clrMapOvr>
-  <mc:AlternateContent xmlns:mc="http://schemas.openxmlformats.org/markup-compatibility/2006">
-    <mc:Choice xmlns:p15="http://schemas.microsoft.com/office/powerpoint/2012/main" Requires="p15">
+  <mc:AlternateContent xmlns:mc="http://schemas.openxmlformats.org/markup-compatibility/2006" xmlns:p15="http://schemas.microsoft.com/office/powerpoint/2012/main">
+    <mc:Choice Requires="p15">
       <p:transition xmlns:p14="http://schemas.microsoft.com/office/powerpoint/2010/main" spd="slow" p14:dur="1250">
         <p15:prstTrans prst="peelOff"/>
       </p:transition>
     </mc:Choice>
-    <mc:Fallback>
+    <mc:Fallback xmlns="">
       <p:transition spd="slow">
         <p:fade/>
       </p:transition>
@@ -5540,13 +5523,13 @@
   <p:clrMapOvr>
     <a:masterClrMapping/>
   </p:clrMapOvr>
-  <mc:AlternateContent xmlns:mc="http://schemas.openxmlformats.org/markup-compatibility/2006">
-    <mc:Choice xmlns:p15="http://schemas.microsoft.com/office/powerpoint/2012/main" Requires="p15">
+  <mc:AlternateContent xmlns:mc="http://schemas.openxmlformats.org/markup-compatibility/2006" xmlns:p15="http://schemas.microsoft.com/office/powerpoint/2012/main">
+    <mc:Choice Requires="p15">
       <p:transition xmlns:p14="http://schemas.microsoft.com/office/powerpoint/2010/main" spd="slow" p14:dur="1250">
         <p15:prstTrans prst="peelOff"/>
       </p:transition>
     </mc:Choice>
-    <mc:Fallback>
+    <mc:Fallback xmlns="">
       <p:transition spd="slow">
         <p:fade/>
       </p:transition>
@@ -5635,13 +5618,13 @@
   <p:clrMapOvr>
     <a:masterClrMapping/>
   </p:clrMapOvr>
-  <mc:AlternateContent xmlns:mc="http://schemas.openxmlformats.org/markup-compatibility/2006">
-    <mc:Choice xmlns:p15="http://schemas.microsoft.com/office/powerpoint/2012/main" Requires="p15">
+  <mc:AlternateContent xmlns:mc="http://schemas.openxmlformats.org/markup-compatibility/2006" xmlns:p15="http://schemas.microsoft.com/office/powerpoint/2012/main">
+    <mc:Choice Requires="p15">
       <p:transition xmlns:p14="http://schemas.microsoft.com/office/powerpoint/2010/main" spd="slow" p14:dur="1250">
         <p15:prstTrans prst="peelOff"/>
       </p:transition>
     </mc:Choice>
-    <mc:Fallback>
+    <mc:Fallback xmlns="">
       <p:transition spd="slow">
         <p:fade/>
       </p:transition>

--- a/Diapo/DIapo.pptx
+++ b/Diapo/DIapo.pptx
@@ -4192,9 +4192,62 @@
           </a:p>
         </p:txBody>
       </p:sp>
+      <p:sp>
+        <p:nvSpPr>
+          <p:cNvPr id="2" name="Titre 1"/>
+          <p:cNvSpPr>
+            <a:spLocks noGrp="1"/>
+          </p:cNvSpPr>
+          <p:nvPr>
+            <p:ph type="title"/>
+          </p:nvPr>
+        </p:nvSpPr>
+        <p:spPr/>
+        <p:txBody>
+          <a:bodyPr/>
+          <a:lstStyle/>
+          <a:p>
+            <a:r>
+              <a:rPr lang="fr-FR" dirty="0" smtClean="0"/>
+              <a:t>Chapitre 4</a:t>
+            </a:r>
+            <a:endParaRPr lang="fr-FR" dirty="0"/>
+          </a:p>
+        </p:txBody>
+      </p:sp>
+      <p:sp>
+        <p:nvSpPr>
+          <p:cNvPr id="7" name="Espace réservé du texte 6"/>
+          <p:cNvSpPr>
+            <a:spLocks noGrp="1"/>
+          </p:cNvSpPr>
+          <p:nvPr>
+            <p:ph type="body" sz="quarter" idx="16"/>
+          </p:nvPr>
+        </p:nvSpPr>
+        <p:spPr>
+          <a:xfrm>
+            <a:off x="314226" y="2363164"/>
+            <a:ext cx="2831629" cy="589563"/>
+          </a:xfrm>
+        </p:spPr>
+        <p:txBody>
+          <a:bodyPr>
+            <a:normAutofit fontScale="77500" lnSpcReduction="20000"/>
+          </a:bodyPr>
+          <a:lstStyle/>
+          <a:p>
+            <a:r>
+              <a:rPr lang="fr-FR" dirty="0" smtClean="0"/>
+              <a:t>Utilisation d’un bloc statique</a:t>
+            </a:r>
+            <a:endParaRPr lang="fr-FR" dirty="0"/>
+          </a:p>
+        </p:txBody>
+      </p:sp>
       <p:pic>
         <p:nvPicPr>
-          <p:cNvPr id="9" name="Espace réservé du contenu 8"/>
+          <p:cNvPr id="4" name="Espace réservé du contenu 3"/>
           <p:cNvPicPr>
             <a:picLocks noGrp="1" noChangeAspect="1"/>
           </p:cNvPicPr>
@@ -4202,7 +4255,7 @@
             <p:ph sz="half" idx="2"/>
           </p:nvPr>
         </p:nvPicPr>
-        <p:blipFill>
+        <p:blipFill rotWithShape="1">
           <a:blip r:embed="rId2">
             <a:extLst>
               <a:ext uri="{28A0092B-C50C-407E-A947-70E740481C1C}">
@@ -4210,14 +4263,13 @@
               </a:ext>
             </a:extLst>
           </a:blip>
-          <a:stretch>
-            <a:fillRect/>
-          </a:stretch>
+          <a:srcRect l="791"/>
+          <a:stretch/>
         </p:blipFill>
         <p:spPr>
           <a:xfrm>
-            <a:off x="3560341" y="838132"/>
-            <a:ext cx="5330501" cy="4206834"/>
+            <a:off x="3348507" y="921214"/>
+            <a:ext cx="5650922" cy="4063025"/>
           </a:xfrm>
           <a:prstGeom prst="rect">
             <a:avLst/>
@@ -4234,59 +4286,6 @@
           </a:effectLst>
         </p:spPr>
       </p:pic>
-      <p:sp>
-        <p:nvSpPr>
-          <p:cNvPr id="2" name="Titre 1"/>
-          <p:cNvSpPr>
-            <a:spLocks noGrp="1"/>
-          </p:cNvSpPr>
-          <p:nvPr>
-            <p:ph type="title"/>
-          </p:nvPr>
-        </p:nvSpPr>
-        <p:spPr/>
-        <p:txBody>
-          <a:bodyPr/>
-          <a:lstStyle/>
-          <a:p>
-            <a:r>
-              <a:rPr lang="fr-FR" dirty="0" smtClean="0"/>
-              <a:t>Chapitre 4</a:t>
-            </a:r>
-            <a:endParaRPr lang="fr-FR" dirty="0"/>
-          </a:p>
-        </p:txBody>
-      </p:sp>
-      <p:sp>
-        <p:nvSpPr>
-          <p:cNvPr id="7" name="Espace réservé du texte 6"/>
-          <p:cNvSpPr>
-            <a:spLocks noGrp="1"/>
-          </p:cNvSpPr>
-          <p:nvPr>
-            <p:ph type="body" sz="quarter" idx="16"/>
-          </p:nvPr>
-        </p:nvSpPr>
-        <p:spPr>
-          <a:xfrm>
-            <a:off x="314226" y="2363164"/>
-            <a:ext cx="2831629" cy="589563"/>
-          </a:xfrm>
-        </p:spPr>
-        <p:txBody>
-          <a:bodyPr>
-            <a:normAutofit fontScale="77500" lnSpcReduction="20000"/>
-          </a:bodyPr>
-          <a:lstStyle/>
-          <a:p>
-            <a:r>
-              <a:rPr lang="fr-FR" dirty="0" smtClean="0"/>
-              <a:t>Utilisation d’un bloc statique</a:t>
-            </a:r>
-            <a:endParaRPr lang="fr-FR" dirty="0"/>
-          </a:p>
-        </p:txBody>
-      </p:sp>
     </p:spTree>
     <p:extLst>
       <p:ext uri="{BB962C8B-B14F-4D97-AF65-F5344CB8AC3E}">
@@ -4466,15 +4465,21 @@
             <p:ph idx="1"/>
           </p:nvPr>
         </p:nvSpPr>
-        <p:spPr/>
+        <p:spPr>
+          <a:xfrm>
+            <a:off x="794046" y="1518303"/>
+            <a:ext cx="7887629" cy="2789123"/>
+          </a:xfrm>
+        </p:spPr>
         <p:txBody>
           <a:bodyPr numCol="1"/>
           <a:lstStyle/>
           <a:p>
             <a:r>
               <a:rPr lang="fr-FR" sz="2000" dirty="0" smtClean="0"/>
-              <a:t>Jouer en équipe</a:t>
-            </a:r>
+              <a:t>Ajouter des personnages à notre équipe ;</a:t>
+            </a:r>
+            <a:endParaRPr lang="fr-FR" sz="2000" dirty="0" smtClean="0"/>
           </a:p>
           <a:p>
             <a:pPr marL="0" indent="0">
@@ -4485,16 +4490,25 @@
           <a:p>
             <a:r>
               <a:rPr lang="fr-FR" sz="2000" dirty="0" smtClean="0"/>
-              <a:t>Enregistrer la progression</a:t>
-            </a:r>
-          </a:p>
-          <a:p>
+              <a:t>Enregistrer la </a:t>
+            </a:r>
+            <a:r>
+              <a:rPr lang="fr-FR" sz="2000" dirty="0" smtClean="0"/>
+              <a:t>progression ;</a:t>
+            </a:r>
             <a:endParaRPr lang="fr-FR" sz="2000" dirty="0" smtClean="0"/>
           </a:p>
           <a:p>
+            <a:endParaRPr lang="fr-FR" sz="2000" dirty="0" smtClean="0"/>
+          </a:p>
+          <a:p>
             <a:r>
               <a:rPr lang="fr-FR" sz="2000" dirty="0" smtClean="0"/>
-              <a:t>Élargir la palette de montres et de compétences</a:t>
+              <a:t>Élargir la palette de montres et de </a:t>
+            </a:r>
+            <a:r>
+              <a:rPr lang="fr-FR" sz="2000" dirty="0" smtClean="0"/>
+              <a:t>compétences ;</a:t>
             </a:r>
             <a:endParaRPr lang="fr-FR" sz="2000" dirty="0"/>
           </a:p>
@@ -4504,8 +4518,18 @@
           <a:p>
             <a:r>
               <a:rPr lang="fr-FR" sz="2000" dirty="0" smtClean="0"/>
-              <a:t>Améliorer l’histoire</a:t>
-            </a:r>
+              <a:t>Améliorer </a:t>
+            </a:r>
+            <a:r>
+              <a:rPr lang="fr-FR" sz="2000" dirty="0" smtClean="0"/>
+              <a:t>l’histoire ;</a:t>
+            </a:r>
+          </a:p>
+          <a:p>
+            <a:pPr marL="0" indent="0">
+              <a:buNone/>
+            </a:pPr>
+            <a:endParaRPr lang="fr-FR" sz="2000" dirty="0" smtClean="0"/>
           </a:p>
           <a:p>
             <a:endParaRPr lang="fr-FR" sz="2000" dirty="0"/>
@@ -5246,6 +5270,19 @@
             <a:off x="3117033" y="1264544"/>
             <a:ext cx="5901579" cy="3291357"/>
           </a:xfrm>
+          <a:prstGeom prst="rect">
+            <a:avLst/>
+          </a:prstGeom>
+          <a:ln>
+            <a:noFill/>
+          </a:ln>
+          <a:effectLst>
+            <a:outerShdw blurRad="292100" dist="139700" dir="2700000" algn="tl" rotWithShape="0">
+              <a:srgbClr val="333333">
+                <a:alpha val="65000"/>
+              </a:srgbClr>
+            </a:outerShdw>
+          </a:effectLst>
         </p:spPr>
       </p:pic>
     </p:spTree>

--- a/Diapo/DIapo.pptx
+++ b/Diapo/DIapo.pptx
@@ -4186,7 +4186,7 @@
           <a:p>
             <a:r>
               <a:rPr lang="fr-FR" dirty="0" smtClean="0"/>
-              <a:t>Liste des items</a:t>
+              <a:t>Fonctionnalités</a:t>
             </a:r>
             <a:endParaRPr lang="fr-FR" dirty="0"/>
           </a:p>
@@ -4227,7 +4227,7 @@
         </p:nvSpPr>
         <p:spPr>
           <a:xfrm>
-            <a:off x="314226" y="2363164"/>
+            <a:off x="0" y="2664275"/>
             <a:ext cx="2831629" cy="589563"/>
           </a:xfrm>
         </p:spPr>
@@ -4239,7 +4239,11 @@
           <a:p>
             <a:r>
               <a:rPr lang="fr-FR" dirty="0" smtClean="0"/>
-              <a:t>Utilisation d’un bloc statique</a:t>
+              <a:t>Système de </a:t>
+            </a:r>
+            <a:r>
+              <a:rPr lang="fr-FR" dirty="0" err="1" smtClean="0"/>
+              <a:t>stats</a:t>
             </a:r>
             <a:endParaRPr lang="fr-FR" dirty="0"/>
           </a:p>
@@ -4247,7 +4251,7 @@
       </p:sp>
       <p:pic>
         <p:nvPicPr>
-          <p:cNvPr id="4" name="Espace réservé du contenu 3"/>
+          <p:cNvPr id="6" name="Espace réservé du contenu 5"/>
           <p:cNvPicPr>
             <a:picLocks noGrp="1" noChangeAspect="1"/>
           </p:cNvPicPr>
@@ -4263,27 +4267,14 @@
               </a:ext>
             </a:extLst>
           </a:blip>
-          <a:srcRect l="791"/>
+          <a:srcRect l="-1" r="34621" b="16401"/>
           <a:stretch/>
         </p:blipFill>
         <p:spPr>
           <a:xfrm>
-            <a:off x="3348507" y="921214"/>
-            <a:ext cx="5650922" cy="4063025"/>
+            <a:off x="2882338" y="1231128"/>
+            <a:ext cx="6023402" cy="3341474"/>
           </a:xfrm>
-          <a:prstGeom prst="rect">
-            <a:avLst/>
-          </a:prstGeom>
-          <a:ln>
-            <a:noFill/>
-          </a:ln>
-          <a:effectLst>
-            <a:outerShdw blurRad="292100" dist="139700" dir="2700000" algn="tl" rotWithShape="0">
-              <a:srgbClr val="333333">
-                <a:alpha val="65000"/>
-              </a:srgbClr>
-            </a:outerShdw>
-          </a:effectLst>
         </p:spPr>
       </p:pic>
     </p:spTree>
@@ -4479,7 +4470,6 @@
               <a:rPr lang="fr-FR" sz="2000" dirty="0" smtClean="0"/>
               <a:t>Ajouter des personnages à notre équipe ;</a:t>
             </a:r>
-            <a:endParaRPr lang="fr-FR" sz="2000" dirty="0" smtClean="0"/>
           </a:p>
           <a:p>
             <a:pPr marL="0" indent="0">
@@ -4490,39 +4480,26 @@
           <a:p>
             <a:r>
               <a:rPr lang="fr-FR" sz="2000" dirty="0" smtClean="0"/>
-              <a:t>Enregistrer la </a:t>
-            </a:r>
+              <a:t>Enregistrer la progression ;</a:t>
+            </a:r>
+          </a:p>
+          <a:p>
+            <a:endParaRPr lang="fr-FR" sz="2000" dirty="0" smtClean="0"/>
+          </a:p>
+          <a:p>
             <a:r>
               <a:rPr lang="fr-FR" sz="2000" dirty="0" smtClean="0"/>
-              <a:t>progression ;</a:t>
-            </a:r>
+              <a:t>Élargir la palette de monstres et de compétences ;</a:t>
+            </a:r>
+            <a:endParaRPr lang="fr-FR" sz="2000" dirty="0"/>
+          </a:p>
+          <a:p>
             <a:endParaRPr lang="fr-FR" sz="2000" dirty="0" smtClean="0"/>
           </a:p>
           <a:p>
-            <a:endParaRPr lang="fr-FR" sz="2000" dirty="0" smtClean="0"/>
-          </a:p>
-          <a:p>
             <a:r>
               <a:rPr lang="fr-FR" sz="2000" dirty="0" smtClean="0"/>
-              <a:t>Élargir la palette de montres et de </a:t>
-            </a:r>
-            <a:r>
-              <a:rPr lang="fr-FR" sz="2000" dirty="0" smtClean="0"/>
-              <a:t>compétences ;</a:t>
-            </a:r>
-            <a:endParaRPr lang="fr-FR" sz="2000" dirty="0"/>
-          </a:p>
-          <a:p>
-            <a:endParaRPr lang="fr-FR" sz="2000" dirty="0" smtClean="0"/>
-          </a:p>
-          <a:p>
-            <a:r>
-              <a:rPr lang="fr-FR" sz="2000" dirty="0" smtClean="0"/>
-              <a:t>Améliorer </a:t>
-            </a:r>
-            <a:r>
-              <a:rPr lang="fr-FR" sz="2000" dirty="0" smtClean="0"/>
-              <a:t>l’histoire ;</a:t>
+              <a:t>Améliorer l’histoire ;</a:t>
             </a:r>
           </a:p>
           <a:p>
@@ -5609,14 +5586,19 @@
             <p:ph type="title"/>
           </p:nvPr>
         </p:nvSpPr>
-        <p:spPr/>
+        <p:spPr>
+          <a:xfrm>
+            <a:off x="3780753" y="1488323"/>
+            <a:ext cx="4416650" cy="1291587"/>
+          </a:xfrm>
+        </p:spPr>
         <p:txBody>
           <a:bodyPr/>
           <a:lstStyle/>
           <a:p>
             <a:r>
               <a:rPr lang="fr-FR" dirty="0" smtClean="0"/>
-              <a:t>Liste des items</a:t>
+              <a:t>Fonctionnalités</a:t>
             </a:r>
             <a:endParaRPr lang="fr-FR" dirty="0"/>
           </a:p>
